--- a/docs/diagrams/ModelComponentClassBetterOopDiagram.pptx
+++ b/docs/diagrams/ModelComponentClassBetterOopDiagram.pptx
@@ -208,7 +208,7 @@
           <a:p>
             <a:fld id="{F5CC4B3F-88C1-4FFA-B1B6-F41C21DC6924}" type="datetimeFigureOut">
               <a:rPr lang="en-US" smtClean="0"/>
-              <a:t>6/27/2018</a:t>
+              <a:t>11/11/2018</a:t>
             </a:fld>
             <a:endParaRPr lang="en-US"/>
           </a:p>
@@ -654,7 +654,7 @@
           <a:p>
             <a:fld id="{78C97017-6FC3-485B-9764-EAC9E56C1D49}" type="datetimeFigureOut">
               <a:rPr lang="en-US" smtClean="0"/>
-              <a:t>6/27/2018</a:t>
+              <a:t>11/11/2018</a:t>
             </a:fld>
             <a:endParaRPr lang="en-US"/>
           </a:p>
@@ -822,7 +822,7 @@
           <a:p>
             <a:fld id="{78C97017-6FC3-485B-9764-EAC9E56C1D49}" type="datetimeFigureOut">
               <a:rPr lang="en-US" smtClean="0"/>
-              <a:t>6/27/2018</a:t>
+              <a:t>11/11/2018</a:t>
             </a:fld>
             <a:endParaRPr lang="en-US"/>
           </a:p>
@@ -1000,7 +1000,7 @@
           <a:p>
             <a:fld id="{78C97017-6FC3-485B-9764-EAC9E56C1D49}" type="datetimeFigureOut">
               <a:rPr lang="en-US" smtClean="0"/>
-              <a:t>6/27/2018</a:t>
+              <a:t>11/11/2018</a:t>
             </a:fld>
             <a:endParaRPr lang="en-US"/>
           </a:p>
@@ -1168,7 +1168,7 @@
           <a:p>
             <a:fld id="{78C97017-6FC3-485B-9764-EAC9E56C1D49}" type="datetimeFigureOut">
               <a:rPr lang="en-US" smtClean="0"/>
-              <a:t>6/27/2018</a:t>
+              <a:t>11/11/2018</a:t>
             </a:fld>
             <a:endParaRPr lang="en-US"/>
           </a:p>
@@ -1413,7 +1413,7 @@
           <a:p>
             <a:fld id="{78C97017-6FC3-485B-9764-EAC9E56C1D49}" type="datetimeFigureOut">
               <a:rPr lang="en-US" smtClean="0"/>
-              <a:t>6/27/2018</a:t>
+              <a:t>11/11/2018</a:t>
             </a:fld>
             <a:endParaRPr lang="en-US"/>
           </a:p>
@@ -1698,7 +1698,7 @@
           <a:p>
             <a:fld id="{78C97017-6FC3-485B-9764-EAC9E56C1D49}" type="datetimeFigureOut">
               <a:rPr lang="en-US" smtClean="0"/>
-              <a:t>6/27/2018</a:t>
+              <a:t>11/11/2018</a:t>
             </a:fld>
             <a:endParaRPr lang="en-US"/>
           </a:p>
@@ -2117,7 +2117,7 @@
           <a:p>
             <a:fld id="{78C97017-6FC3-485B-9764-EAC9E56C1D49}" type="datetimeFigureOut">
               <a:rPr lang="en-US" smtClean="0"/>
-              <a:t>6/27/2018</a:t>
+              <a:t>11/11/2018</a:t>
             </a:fld>
             <a:endParaRPr lang="en-US"/>
           </a:p>
@@ -2234,7 +2234,7 @@
           <a:p>
             <a:fld id="{78C97017-6FC3-485B-9764-EAC9E56C1D49}" type="datetimeFigureOut">
               <a:rPr lang="en-US" smtClean="0"/>
-              <a:t>6/27/2018</a:t>
+              <a:t>11/11/2018</a:t>
             </a:fld>
             <a:endParaRPr lang="en-US"/>
           </a:p>
@@ -2329,7 +2329,7 @@
           <a:p>
             <a:fld id="{78C97017-6FC3-485B-9764-EAC9E56C1D49}" type="datetimeFigureOut">
               <a:rPr lang="en-US" smtClean="0"/>
-              <a:t>6/27/2018</a:t>
+              <a:t>11/11/2018</a:t>
             </a:fld>
             <a:endParaRPr lang="en-US"/>
           </a:p>
@@ -2604,7 +2604,7 @@
           <a:p>
             <a:fld id="{78C97017-6FC3-485B-9764-EAC9E56C1D49}" type="datetimeFigureOut">
               <a:rPr lang="en-US" smtClean="0"/>
-              <a:t>6/27/2018</a:t>
+              <a:t>11/11/2018</a:t>
             </a:fld>
             <a:endParaRPr lang="en-US"/>
           </a:p>
@@ -2856,7 +2856,7 @@
           <a:p>
             <a:fld id="{78C97017-6FC3-485B-9764-EAC9E56C1D49}" type="datetimeFigureOut">
               <a:rPr lang="en-US" smtClean="0"/>
-              <a:t>6/27/2018</a:t>
+              <a:t>11/11/2018</a:t>
             </a:fld>
             <a:endParaRPr lang="en-US"/>
           </a:p>
@@ -3067,7 +3067,7 @@
           <a:p>
             <a:fld id="{78C97017-6FC3-485B-9764-EAC9E56C1D49}" type="datetimeFigureOut">
               <a:rPr lang="en-US" smtClean="0"/>
-              <a:t>6/27/2018</a:t>
+              <a:t>11/11/2018</a:t>
             </a:fld>
             <a:endParaRPr lang="en-US"/>
           </a:p>
@@ -3450,8 +3450,8 @@
         </p:nvSpPr>
         <p:spPr>
           <a:xfrm>
-            <a:off x="1119865" y="1676400"/>
-            <a:ext cx="7490735" cy="3059747"/>
+            <a:off x="1119865" y="1600200"/>
+            <a:ext cx="7566935" cy="4797740"/>
           </a:xfrm>
           <a:prstGeom prst="roundRect">
             <a:avLst>
@@ -3488,7 +3488,7 @@
           <a:lstStyle/>
           <a:p>
             <a:r>
-              <a:rPr lang="en-US" sz="1200" b="1" dirty="0">
+              <a:rPr lang="en-US" sz="1200" b="1">
                 <a:solidFill>
                   <a:srgbClr val="7030A0"/>
                 </a:solidFill>
@@ -3511,7 +3511,7 @@
         </p:nvSpPr>
         <p:spPr>
           <a:xfrm>
-            <a:off x="2877180" y="3463240"/>
+            <a:off x="2899124" y="5223339"/>
             <a:ext cx="1093635" cy="346760"/>
           </a:xfrm>
           <a:prstGeom prst="rect">
@@ -3547,7 +3547,7 @@
           <a:p>
             <a:pPr algn="ctr"/>
             <a:r>
-              <a:rPr lang="en-US" sz="1050" dirty="0" err="1">
+              <a:rPr lang="en-US" sz="1050" dirty="0">
                 <a:solidFill>
                   <a:schemeClr val="bg1"/>
                 </a:solidFill>
@@ -3570,8 +3570,8 @@
         </p:nvSpPr>
         <p:spPr>
           <a:xfrm rot="16200000">
-            <a:off x="1661548" y="3097750"/>
-            <a:ext cx="1093635" cy="346760"/>
+            <a:off x="789226" y="3970072"/>
+            <a:ext cx="2838280" cy="346760"/>
           </a:xfrm>
           <a:prstGeom prst="rect">
             <a:avLst/>
@@ -3606,7 +3606,7 @@
           <a:p>
             <a:pPr algn="ctr"/>
             <a:r>
-              <a:rPr lang="en-US" sz="1050" dirty="0" err="1">
+              <a:rPr lang="en-US" sz="1050" dirty="0">
                 <a:solidFill>
                   <a:schemeClr val="bg1"/>
                 </a:solidFill>
@@ -3621,49 +3621,6 @@
           </a:p>
         </p:txBody>
       </p:sp>
-      <p:cxnSp>
-        <p:nvCxnSpPr>
-          <p:cNvPr id="107" name="Elbow Connector 106"/>
-          <p:cNvCxnSpPr>
-            <a:cxnSpLocks/>
-          </p:cNvCxnSpPr>
-          <p:nvPr/>
-        </p:nvCxnSpPr>
-        <p:spPr>
-          <a:xfrm rot="5400000" flipH="1" flipV="1">
-            <a:off x="4155901" y="1308943"/>
-            <a:ext cx="613122" cy="4459404"/>
-          </a:xfrm>
-          <a:prstGeom prst="bentConnector3">
-            <a:avLst>
-              <a:gd name="adj1" fmla="val -26668"/>
-            </a:avLst>
-          </a:prstGeom>
-          <a:ln w="19050">
-            <a:solidFill>
-              <a:srgbClr val="7030A0"/>
-            </a:solidFill>
-            <a:prstDash val="solid"/>
-            <a:headEnd type="none" w="med" len="med"/>
-            <a:tailEnd type="arrow" w="med" len="med"/>
-          </a:ln>
-          <a:effectLst/>
-        </p:spPr>
-        <p:style>
-          <a:lnRef idx="1">
-            <a:schemeClr val="accent2"/>
-          </a:lnRef>
-          <a:fillRef idx="2">
-            <a:schemeClr val="accent2"/>
-          </a:fillRef>
-          <a:effectRef idx="1">
-            <a:schemeClr val="accent2"/>
-          </a:effectRef>
-          <a:fontRef idx="minor">
-            <a:schemeClr val="dk1"/>
-          </a:fontRef>
-        </p:style>
-      </p:cxnSp>
       <p:sp>
         <p:nvSpPr>
           <p:cNvPr id="119" name="Rectangle 62"/>
@@ -3792,7 +3749,7 @@
         </p:nvCxnSpPr>
         <p:spPr>
           <a:xfrm>
-            <a:off x="2609828" y="3636620"/>
+            <a:off x="2631772" y="5396719"/>
             <a:ext cx="267352" cy="0"/>
           </a:xfrm>
           <a:prstGeom prst="straightConnector1">
@@ -3914,7 +3871,7 @@
         </p:nvSpPr>
         <p:spPr>
           <a:xfrm>
-            <a:off x="2373780" y="3549930"/>
+            <a:off x="2395724" y="5310029"/>
             <a:ext cx="236048" cy="173380"/>
           </a:xfrm>
           <a:prstGeom prst="flowChartDecision">
@@ -3959,8 +3916,8 @@
         </p:nvSpPr>
         <p:spPr>
           <a:xfrm>
-            <a:off x="2786406" y="2834911"/>
-            <a:ext cx="1447688" cy="346760"/>
+            <a:off x="2825280" y="2846162"/>
+            <a:ext cx="1490560" cy="334856"/>
           </a:xfrm>
           <a:prstGeom prst="rect">
             <a:avLst/>
@@ -3992,12 +3949,12 @@
           <a:p>
             <a:pPr algn="ctr"/>
             <a:r>
-              <a:rPr lang="en-US" sz="1050" dirty="0" err="1" smtClean="0">
+              <a:rPr lang="en-US" sz="1050" dirty="0">
                 <a:solidFill>
                   <a:srgbClr val="7030A0"/>
                 </a:solidFill>
               </a:rPr>
-              <a:t>VersionedAddressBook</a:t>
+              <a:t>VersionedWorkoutBook</a:t>
             </a:r>
             <a:endParaRPr lang="en-SG" sz="1050" dirty="0">
               <a:solidFill>
@@ -4019,7 +3976,7 @@
         <p:spPr>
           <a:xfrm>
             <a:off x="2624360" y="3003033"/>
-            <a:ext cx="162046" cy="5258"/>
+            <a:ext cx="200920" cy="10557"/>
           </a:xfrm>
           <a:prstGeom prst="straightConnector1">
             <a:avLst/>
@@ -4101,8 +4058,8 @@
         </p:nvSpPr>
         <p:spPr>
           <a:xfrm>
-            <a:off x="4762209" y="2863434"/>
-            <a:ext cx="1156969" cy="346760"/>
+            <a:off x="4692650" y="1779000"/>
+            <a:ext cx="1243502" cy="346760"/>
           </a:xfrm>
           <a:prstGeom prst="rect">
             <a:avLst/>
@@ -4134,12 +4091,12 @@
           <a:p>
             <a:pPr algn="ctr"/>
             <a:r>
-              <a:rPr lang="en-US" sz="1050" dirty="0" err="1">
+              <a:rPr lang="en-US" sz="1050" dirty="0">
                 <a:solidFill>
                   <a:srgbClr val="7030A0"/>
                 </a:solidFill>
               </a:rPr>
-              <a:t>UniquePersonList</a:t>
+              <a:t>UniqueWorkoutList</a:t>
             </a:r>
             <a:endParaRPr lang="en-SG" sz="1050" dirty="0">
               <a:solidFill>
@@ -4157,7 +4114,7 @@
         </p:nvSpPr>
         <p:spPr>
           <a:xfrm>
-            <a:off x="4233246" y="2948201"/>
+            <a:off x="4324972" y="2920532"/>
             <a:ext cx="236048" cy="173380"/>
           </a:xfrm>
           <a:prstGeom prst="flowChartDecision">
@@ -4196,47 +4153,6 @@
           </a:p>
         </p:txBody>
       </p:sp>
-      <p:cxnSp>
-        <p:nvCxnSpPr>
-          <p:cNvPr id="30" name="Elbow Connector 29"/>
-          <p:cNvCxnSpPr>
-            <a:stCxn id="51" idx="3"/>
-            <a:endCxn id="49" idx="1"/>
-          </p:cNvCxnSpPr>
-          <p:nvPr/>
-        </p:nvCxnSpPr>
-        <p:spPr>
-          <a:xfrm>
-            <a:off x="4469294" y="3034891"/>
-            <a:ext cx="292915" cy="1923"/>
-          </a:xfrm>
-          <a:prstGeom prst="bentConnector3">
-            <a:avLst/>
-          </a:prstGeom>
-          <a:ln w="19050">
-            <a:solidFill>
-              <a:srgbClr val="7030A0"/>
-            </a:solidFill>
-            <a:headEnd type="none" w="med" len="med"/>
-            <a:tailEnd type="arrow" w="med" len="med"/>
-          </a:ln>
-          <a:effectLst/>
-        </p:spPr>
-        <p:style>
-          <a:lnRef idx="1">
-            <a:schemeClr val="accent2"/>
-          </a:lnRef>
-          <a:fillRef idx="2">
-            <a:schemeClr val="accent2"/>
-          </a:fillRef>
-          <a:effectRef idx="1">
-            <a:schemeClr val="accent2"/>
-          </a:effectRef>
-          <a:fontRef idx="minor">
-            <a:schemeClr val="dk1"/>
-          </a:fontRef>
-        </p:style>
-      </p:cxnSp>
       <p:sp>
         <p:nvSpPr>
           <p:cNvPr id="62" name="Rectangle 8"/>
@@ -4245,7 +4161,7 @@
         </p:nvSpPr>
         <p:spPr>
           <a:xfrm>
-            <a:off x="6313677" y="2858066"/>
+            <a:off x="6323270" y="1760556"/>
             <a:ext cx="708186" cy="346760"/>
           </a:xfrm>
           <a:prstGeom prst="rect">
@@ -4283,7 +4199,7 @@
                   <a:srgbClr val="7030A0"/>
                 </a:solidFill>
               </a:rPr>
-              <a:t>Person</a:t>
+              <a:t>Workout</a:t>
             </a:r>
             <a:endParaRPr lang="en-SG" sz="1050" dirty="0">
               <a:solidFill>
@@ -4301,7 +4217,7 @@
         </p:nvSpPr>
         <p:spPr>
           <a:xfrm>
-            <a:off x="5918460" y="2941065"/>
+            <a:off x="5959371" y="1844416"/>
             <a:ext cx="236048" cy="173380"/>
           </a:xfrm>
           <a:prstGeom prst="flowChartDecision">
@@ -4342,7 +4258,6 @@
         <p:nvCxnSpPr>
           <p:cNvPr id="64" name="Elbow Connector 63"/>
           <p:cNvCxnSpPr>
-            <a:cxnSpLocks/>
             <a:stCxn id="63" idx="3"/>
             <a:endCxn id="62" idx="1"/>
           </p:cNvCxnSpPr>
@@ -4350,8 +4265,8 @@
         </p:nvCxnSpPr>
         <p:spPr>
           <a:xfrm>
-            <a:off x="6154508" y="3027755"/>
-            <a:ext cx="159169" cy="3691"/>
+            <a:off x="6195419" y="1931106"/>
+            <a:ext cx="127851" cy="2830"/>
           </a:xfrm>
           <a:prstGeom prst="bentConnector3">
             <a:avLst/>
@@ -4388,8 +4303,8 @@
         </p:nvSpPr>
         <p:spPr>
           <a:xfrm>
-            <a:off x="7712397" y="2564238"/>
-            <a:ext cx="708186" cy="285783"/>
+            <a:off x="7788597" y="2011821"/>
+            <a:ext cx="822003" cy="285783"/>
           </a:xfrm>
           <a:prstGeom prst="rect">
             <a:avLst/>
@@ -4444,7 +4359,7 @@
         </p:nvSpPr>
         <p:spPr>
           <a:xfrm>
-            <a:off x="7041947" y="2948201"/>
+            <a:off x="7031456" y="1838441"/>
             <a:ext cx="236048" cy="173380"/>
           </a:xfrm>
           <a:prstGeom prst="flowChartDecision">
@@ -4483,46 +4398,6 @@
           </a:p>
         </p:txBody>
       </p:sp>
-      <p:cxnSp>
-        <p:nvCxnSpPr>
-          <p:cNvPr id="79" name="Elbow Connector 78"/>
-          <p:cNvCxnSpPr>
-            <a:cxnSpLocks/>
-          </p:cNvCxnSpPr>
-          <p:nvPr/>
-        </p:nvCxnSpPr>
-        <p:spPr>
-          <a:xfrm flipV="1">
-            <a:off x="7277995" y="2706821"/>
-            <a:ext cx="434402" cy="327761"/>
-          </a:xfrm>
-          <a:prstGeom prst="bentConnector3">
-            <a:avLst/>
-          </a:prstGeom>
-          <a:ln w="19050">
-            <a:solidFill>
-              <a:srgbClr val="7030A0"/>
-            </a:solidFill>
-            <a:headEnd type="none" w="med" len="med"/>
-            <a:tailEnd type="arrow" w="med" len="med"/>
-          </a:ln>
-          <a:effectLst/>
-        </p:spPr>
-        <p:style>
-          <a:lnRef idx="1">
-            <a:schemeClr val="accent2"/>
-          </a:lnRef>
-          <a:fillRef idx="2">
-            <a:schemeClr val="accent2"/>
-          </a:fillRef>
-          <a:effectRef idx="1">
-            <a:schemeClr val="accent2"/>
-          </a:effectRef>
-          <a:fontRef idx="minor">
-            <a:schemeClr val="dk1"/>
-          </a:fontRef>
-        </p:style>
-      </p:cxnSp>
       <p:sp>
         <p:nvSpPr>
           <p:cNvPr id="80" name="Rectangle 8"/>
@@ -4531,8 +4406,8 @@
         </p:nvSpPr>
         <p:spPr>
           <a:xfrm>
-            <a:off x="7712397" y="2887216"/>
-            <a:ext cx="708186" cy="285783"/>
+            <a:off x="7788597" y="2334799"/>
+            <a:ext cx="822003" cy="285783"/>
           </a:xfrm>
           <a:prstGeom prst="rect">
             <a:avLst/>
@@ -4569,7 +4444,7 @@
                   <a:srgbClr val="7030A0"/>
                 </a:solidFill>
               </a:rPr>
-              <a:t>Phone</a:t>
+              <a:t>Type</a:t>
             </a:r>
             <a:endParaRPr lang="en-SG" sz="1050" dirty="0">
               <a:solidFill>
@@ -4583,15 +4458,16 @@
         <p:nvCxnSpPr>
           <p:cNvPr id="81" name="Elbow Connector 80"/>
           <p:cNvCxnSpPr>
+            <a:cxnSpLocks/>
             <a:stCxn id="78" idx="3"/>
             <a:endCxn id="80" idx="1"/>
           </p:cNvCxnSpPr>
           <p:nvPr/>
         </p:nvCxnSpPr>
         <p:spPr>
-          <a:xfrm flipV="1">
-            <a:off x="7277995" y="3030108"/>
-            <a:ext cx="434402" cy="4783"/>
+          <a:xfrm>
+            <a:off x="7267504" y="1925131"/>
+            <a:ext cx="521093" cy="552560"/>
           </a:xfrm>
           <a:prstGeom prst="bentConnector3">
             <a:avLst/>
@@ -4628,8 +4504,8 @@
         </p:nvSpPr>
         <p:spPr>
           <a:xfrm>
-            <a:off x="7712397" y="3210194"/>
-            <a:ext cx="708186" cy="285783"/>
+            <a:off x="7788597" y="2657777"/>
+            <a:ext cx="822003" cy="285783"/>
           </a:xfrm>
           <a:prstGeom prst="rect">
             <a:avLst/>
@@ -4666,7 +4542,7 @@
                   <a:srgbClr val="7030A0"/>
                 </a:solidFill>
               </a:rPr>
-              <a:t>Email</a:t>
+              <a:t>Duration</a:t>
             </a:r>
             <a:endParaRPr lang="en-SG" sz="1050" dirty="0">
               <a:solidFill>
@@ -4680,6 +4556,7 @@
         <p:nvCxnSpPr>
           <p:cNvPr id="84" name="Elbow Connector 83"/>
           <p:cNvCxnSpPr>
+            <a:cxnSpLocks/>
             <a:stCxn id="78" idx="3"/>
             <a:endCxn id="83" idx="1"/>
           </p:cNvCxnSpPr>
@@ -4687,8 +4564,8 @@
         </p:nvCxnSpPr>
         <p:spPr>
           <a:xfrm>
-            <a:off x="7277995" y="3034891"/>
-            <a:ext cx="434402" cy="318195"/>
+            <a:off x="7267504" y="1925131"/>
+            <a:ext cx="521093" cy="875538"/>
           </a:xfrm>
           <a:prstGeom prst="bentConnector3">
             <a:avLst/>
@@ -4725,8 +4602,8 @@
         </p:nvSpPr>
         <p:spPr>
           <a:xfrm>
-            <a:off x="7712397" y="3533171"/>
-            <a:ext cx="708186" cy="285783"/>
+            <a:off x="7788597" y="2980754"/>
+            <a:ext cx="822003" cy="285783"/>
           </a:xfrm>
           <a:prstGeom prst="rect">
             <a:avLst/>
@@ -4763,7 +4640,7 @@
                   <a:srgbClr val="7030A0"/>
                 </a:solidFill>
               </a:rPr>
-              <a:t>Address</a:t>
+              <a:t>Difficulty</a:t>
             </a:r>
             <a:endParaRPr lang="en-SG" sz="1050" dirty="0">
               <a:solidFill>
@@ -4777,6 +4654,7 @@
         <p:nvCxnSpPr>
           <p:cNvPr id="86" name="Elbow Connector 85"/>
           <p:cNvCxnSpPr>
+            <a:cxnSpLocks/>
             <a:stCxn id="78" idx="3"/>
             <a:endCxn id="85" idx="1"/>
           </p:cNvCxnSpPr>
@@ -4784,8 +4662,8 @@
         </p:nvCxnSpPr>
         <p:spPr>
           <a:xfrm>
-            <a:off x="7277995" y="3034891"/>
-            <a:ext cx="434402" cy="641172"/>
+            <a:off x="7267504" y="1925131"/>
+            <a:ext cx="521093" cy="1198515"/>
           </a:xfrm>
           <a:prstGeom prst="bentConnector3">
             <a:avLst/>
@@ -4814,57 +4692,61 @@
           </a:fontRef>
         </p:style>
       </p:cxnSp>
-      <p:sp>
-        <p:nvSpPr>
-          <p:cNvPr id="114" name="TextBox 113"/>
-          <p:cNvSpPr txBox="1"/>
-          <p:nvPr/>
-        </p:nvSpPr>
-        <p:spPr>
-          <a:xfrm rot="16200000">
-            <a:off x="6362886" y="3586305"/>
-            <a:ext cx="881018" cy="261610"/>
-          </a:xfrm>
-          <a:prstGeom prst="rect">
-            <a:avLst/>
-          </a:prstGeom>
-          <a:noFill/>
-        </p:spPr>
-        <p:txBody>
-          <a:bodyPr wrap="square" rtlCol="0">
-            <a:spAutoFit/>
-          </a:bodyPr>
-          <a:lstStyle/>
-          <a:p>
-            <a:pPr algn="r"/>
-            <a:r>
-              <a:rPr lang="en-US" sz="1100" dirty="0">
-                <a:solidFill>
-                  <a:srgbClr val="7030A0"/>
-                </a:solidFill>
-              </a:rPr>
-              <a:t>filtered list</a:t>
-            </a:r>
-            <a:endParaRPr lang="en-SG" sz="1100" dirty="0">
-              <a:solidFill>
-                <a:srgbClr val="7030A0"/>
-              </a:solidFill>
-            </a:endParaRPr>
-          </a:p>
-        </p:txBody>
-      </p:sp>
-      <p:sp>
-        <p:nvSpPr>
-          <p:cNvPr id="122" name="Rectangle 8"/>
+      <p:cxnSp>
+        <p:nvCxnSpPr>
+          <p:cNvPr id="97" name="Elbow Connector 63"/>
+          <p:cNvCxnSpPr>
+            <a:stCxn id="99" idx="3"/>
+          </p:cNvCxnSpPr>
+          <p:nvPr/>
+        </p:nvCxnSpPr>
+        <p:spPr>
+          <a:xfrm rot="5400000">
+            <a:off x="3553611" y="2687559"/>
+            <a:ext cx="293825" cy="5938"/>
+          </a:xfrm>
+          <a:prstGeom prst="bentConnector3">
+            <a:avLst>
+              <a:gd name="adj1" fmla="val 50000"/>
+            </a:avLst>
+          </a:prstGeom>
+          <a:ln w="19050">
+            <a:solidFill>
+              <a:srgbClr val="7030A0"/>
+            </a:solidFill>
+            <a:prstDash val="sysDot"/>
+            <a:headEnd type="none" w="med" len="med"/>
+            <a:tailEnd type="none" w="med" len="med"/>
+          </a:ln>
+          <a:effectLst/>
+        </p:spPr>
+        <p:style>
+          <a:lnRef idx="1">
+            <a:schemeClr val="accent2"/>
+          </a:lnRef>
+          <a:fillRef idx="2">
+            <a:schemeClr val="accent2"/>
+          </a:fillRef>
+          <a:effectRef idx="1">
+            <a:schemeClr val="accent2"/>
+          </a:effectRef>
+          <a:fontRef idx="minor">
+            <a:schemeClr val="dk1"/>
+          </a:fontRef>
+        </p:style>
+      </p:cxnSp>
+      <p:sp>
+        <p:nvSpPr>
+          <p:cNvPr id="99" name="Isosceles Triangle 102"/>
           <p:cNvSpPr/>
           <p:nvPr/>
         </p:nvSpPr>
         <p:spPr>
-          <a:xfrm>
-            <a:off x="2057401" y="4239491"/>
-            <a:ext cx="1066800" cy="346760"/>
-          </a:xfrm>
-          <a:prstGeom prst="rect">
+          <a:xfrm rot="10800000" flipV="1">
+            <a:off x="3562299" y="2386554"/>
+            <a:ext cx="282387" cy="157062"/>
+          </a:xfrm>
+          <a:prstGeom prst="triangle">
             <a:avLst/>
           </a:prstGeom>
           <a:ln w="19050">
@@ -4893,298 +4775,24 @@
           <a:lstStyle/>
           <a:p>
             <a:pPr algn="ctr"/>
-            <a:r>
-              <a:rPr lang="en-US" sz="1050" dirty="0">
-                <a:solidFill>
-                  <a:srgbClr val="7030A0"/>
-                </a:solidFill>
-              </a:rPr>
-              <a:t>&lt;&lt;interface&gt;&gt;</a:t>
-            </a:r>
-            <a:r>
-              <a:rPr lang="en-US" sz="1050">
-                <a:solidFill>
-                  <a:srgbClr val="7030A0"/>
-                </a:solidFill>
-              </a:rPr>
-              <a:t/>
-            </a:r>
-            <a:br>
-              <a:rPr lang="en-US" sz="1050">
-                <a:solidFill>
-                  <a:srgbClr val="7030A0"/>
-                </a:solidFill>
-              </a:rPr>
-            </a:br>
-            <a:r>
-              <a:rPr lang="en-US" sz="1050" dirty="0" err="1">
-                <a:solidFill>
-                  <a:srgbClr val="7030A0"/>
-                </a:solidFill>
-              </a:rPr>
-              <a:t>ObservableList</a:t>
-            </a:r>
-            <a:endParaRPr lang="en-SG" sz="1050" dirty="0">
+            <a:endParaRPr lang="en-SG" sz="1050" b="1">
               <a:solidFill>
-                <a:srgbClr val="7030A0"/>
+                <a:srgbClr val="92D050"/>
               </a:solidFill>
             </a:endParaRPr>
           </a:p>
         </p:txBody>
       </p:sp>
-      <p:cxnSp>
-        <p:nvCxnSpPr>
-          <p:cNvPr id="124" name="Elbow Connector 122"/>
-          <p:cNvCxnSpPr>
-            <a:stCxn id="119" idx="1"/>
-            <a:endCxn id="122" idx="1"/>
-          </p:cNvCxnSpPr>
-          <p:nvPr/>
-        </p:nvCxnSpPr>
-        <p:spPr>
-          <a:xfrm rot="16200000" flipH="1">
-            <a:off x="1364475" y="3719944"/>
-            <a:ext cx="831471" cy="554381"/>
-          </a:xfrm>
-          <a:prstGeom prst="bentConnector2">
-            <a:avLst/>
-          </a:prstGeom>
-          <a:ln w="19050">
-            <a:solidFill>
-              <a:srgbClr val="7030A0"/>
-            </a:solidFill>
-            <a:prstDash val="sysDot"/>
-            <a:headEnd type="none" w="med" len="med"/>
-            <a:tailEnd type="arrow" w="med" len="med"/>
-          </a:ln>
-          <a:effectLst/>
-        </p:spPr>
-        <p:style>
-          <a:lnRef idx="1">
-            <a:schemeClr val="accent2"/>
-          </a:lnRef>
-          <a:fillRef idx="2">
-            <a:schemeClr val="accent2"/>
-          </a:fillRef>
-          <a:effectRef idx="1">
-            <a:schemeClr val="accent2"/>
-          </a:effectRef>
-          <a:fontRef idx="minor">
-            <a:schemeClr val="dk1"/>
-          </a:fontRef>
-        </p:style>
-      </p:cxnSp>
-      <p:sp>
-        <p:nvSpPr>
-          <p:cNvPr id="54" name="TextBox 53"/>
-          <p:cNvSpPr txBox="1"/>
-          <p:nvPr/>
-        </p:nvSpPr>
-        <p:spPr>
-          <a:xfrm>
-            <a:off x="4324972" y="3058864"/>
-            <a:ext cx="189257" cy="178683"/>
-          </a:xfrm>
-          <a:prstGeom prst="rect">
-            <a:avLst/>
-          </a:prstGeom>
-          <a:noFill/>
-        </p:spPr>
-        <p:txBody>
-          <a:bodyPr wrap="square" lIns="0" tIns="0" rIns="0" bIns="0" rtlCol="0">
-            <a:noAutofit/>
-          </a:bodyPr>
-          <a:lstStyle/>
-          <a:p>
-            <a:pPr algn="ctr"/>
-            <a:r>
-              <a:rPr lang="en-US" sz="1100" dirty="0">
-                <a:solidFill>
-                  <a:srgbClr val="7030A0"/>
-                </a:solidFill>
-              </a:rPr>
-              <a:t>1</a:t>
-            </a:r>
-            <a:endParaRPr lang="en-SG" sz="1100" dirty="0">
-              <a:solidFill>
-                <a:srgbClr val="7030A0"/>
-              </a:solidFill>
-            </a:endParaRPr>
-          </a:p>
-        </p:txBody>
-      </p:sp>
-      <p:sp>
-        <p:nvSpPr>
-          <p:cNvPr id="61" name="TextBox 60"/>
-          <p:cNvSpPr txBox="1"/>
-          <p:nvPr/>
-        </p:nvSpPr>
-        <p:spPr>
-          <a:xfrm>
-            <a:off x="6135256" y="3097917"/>
-            <a:ext cx="189257" cy="178683"/>
-          </a:xfrm>
-          <a:prstGeom prst="rect">
-            <a:avLst/>
-          </a:prstGeom>
-          <a:noFill/>
-        </p:spPr>
-        <p:txBody>
-          <a:bodyPr wrap="square" lIns="0" tIns="0" rIns="0" bIns="0" rtlCol="0">
-            <a:noAutofit/>
-          </a:bodyPr>
-          <a:lstStyle/>
-          <a:p>
-            <a:pPr algn="ctr"/>
-            <a:r>
-              <a:rPr lang="en-US" sz="1100" dirty="0">
-                <a:solidFill>
-                  <a:srgbClr val="7030A0"/>
-                </a:solidFill>
-              </a:rPr>
-              <a:t>*</a:t>
-            </a:r>
-            <a:endParaRPr lang="en-SG" sz="1100" dirty="0">
-              <a:solidFill>
-                <a:srgbClr val="7030A0"/>
-              </a:solidFill>
-            </a:endParaRPr>
-          </a:p>
-        </p:txBody>
-      </p:sp>
-      <p:sp>
-        <p:nvSpPr>
-          <p:cNvPr id="65" name="TextBox 64"/>
-          <p:cNvSpPr txBox="1"/>
-          <p:nvPr/>
-        </p:nvSpPr>
-        <p:spPr>
-          <a:xfrm>
-            <a:off x="2560167" y="2753818"/>
-            <a:ext cx="78378" cy="193767"/>
-          </a:xfrm>
-          <a:prstGeom prst="rect">
-            <a:avLst/>
-          </a:prstGeom>
-          <a:noFill/>
-        </p:spPr>
-        <p:txBody>
-          <a:bodyPr wrap="square" lIns="0" tIns="0" rIns="0" bIns="0" rtlCol="0">
-            <a:noAutofit/>
-          </a:bodyPr>
-          <a:lstStyle/>
-          <a:p>
-            <a:pPr algn="ctr"/>
-            <a:r>
-              <a:rPr lang="en-US" sz="1100" dirty="0">
-                <a:solidFill>
-                  <a:srgbClr val="7030A0"/>
-                </a:solidFill>
-              </a:rPr>
-              <a:t>1</a:t>
-            </a:r>
-            <a:endParaRPr lang="en-SG" sz="1100" dirty="0">
-              <a:solidFill>
-                <a:srgbClr val="7030A0"/>
-              </a:solidFill>
-            </a:endParaRPr>
-          </a:p>
-        </p:txBody>
-      </p:sp>
-      <p:sp>
-        <p:nvSpPr>
-          <p:cNvPr id="66" name="TextBox 65"/>
-          <p:cNvSpPr txBox="1"/>
-          <p:nvPr/>
-        </p:nvSpPr>
-        <p:spPr>
-          <a:xfrm>
-            <a:off x="2707070" y="3667737"/>
-            <a:ext cx="189257" cy="178683"/>
-          </a:xfrm>
-          <a:prstGeom prst="rect">
-            <a:avLst/>
-          </a:prstGeom>
-          <a:noFill/>
-        </p:spPr>
-        <p:txBody>
-          <a:bodyPr wrap="square" lIns="0" tIns="0" rIns="0" bIns="0" rtlCol="0">
-            <a:noAutofit/>
-          </a:bodyPr>
-          <a:lstStyle/>
-          <a:p>
-            <a:pPr algn="ctr"/>
-            <a:r>
-              <a:rPr lang="en-US" sz="1100" dirty="0">
-                <a:solidFill>
-                  <a:srgbClr val="7030A0"/>
-                </a:solidFill>
-              </a:rPr>
-              <a:t>1</a:t>
-            </a:r>
-            <a:endParaRPr lang="en-SG" sz="1100" dirty="0">
-              <a:solidFill>
-                <a:srgbClr val="7030A0"/>
-              </a:solidFill>
-            </a:endParaRPr>
-          </a:p>
-        </p:txBody>
-      </p:sp>
-      <p:sp>
-        <p:nvSpPr>
-          <p:cNvPr id="70" name="TextBox 69"/>
-          <p:cNvSpPr txBox="1"/>
-          <p:nvPr/>
-        </p:nvSpPr>
-        <p:spPr>
-          <a:xfrm>
-            <a:off x="6449896" y="3204826"/>
-            <a:ext cx="189257" cy="178683"/>
-          </a:xfrm>
-          <a:prstGeom prst="rect">
-            <a:avLst/>
-          </a:prstGeom>
-          <a:noFill/>
-        </p:spPr>
-        <p:txBody>
-          <a:bodyPr wrap="square" lIns="0" tIns="0" rIns="0" bIns="0" rtlCol="0">
-            <a:noAutofit/>
-          </a:bodyPr>
-          <a:lstStyle/>
-          <a:p>
-            <a:pPr algn="ctr"/>
-            <a:r>
-              <a:rPr lang="en-US" sz="1100" dirty="0">
-                <a:solidFill>
-                  <a:srgbClr val="7030A0"/>
-                </a:solidFill>
-              </a:rPr>
-              <a:t>1</a:t>
-            </a:r>
-            <a:endParaRPr lang="en-SG" sz="1100" dirty="0">
-              <a:solidFill>
-                <a:srgbClr val="7030A0"/>
-              </a:solidFill>
-            </a:endParaRPr>
-          </a:p>
-        </p:txBody>
-      </p:sp>
-      <p:sp>
-        <p:nvSpPr>
-          <p:cNvPr id="52" name="Rectangle 8">
-            <a:extLst>
-              <a:ext uri="{FF2B5EF4-FFF2-40B4-BE49-F238E27FC236}">
-                <a16:creationId xmlns:a16="http://schemas.microsoft.com/office/drawing/2014/main" id="{ABDCDBD2-131A-4B66-A2F2-43BBEE82C773}"/>
-              </a:ext>
-            </a:extLst>
-          </p:cNvPr>
+      <p:sp>
+        <p:nvSpPr>
+          <p:cNvPr id="100" name="Rectangle 8"/>
           <p:cNvSpPr/>
           <p:nvPr/>
         </p:nvSpPr>
         <p:spPr>
           <a:xfrm>
-            <a:off x="4755872" y="2206861"/>
-            <a:ext cx="1156969" cy="285783"/>
+            <a:off x="1219200" y="1998350"/>
+            <a:ext cx="1485383" cy="364396"/>
           </a:xfrm>
           <a:prstGeom prst="rect">
             <a:avLst/>
@@ -5216,12 +4824,27 @@
           <a:p>
             <a:pPr algn="ctr"/>
             <a:r>
-              <a:rPr lang="en-US" sz="1050" dirty="0" err="1">
+              <a:rPr lang="en-US" sz="1050" dirty="0">
                 <a:solidFill>
                   <a:srgbClr val="7030A0"/>
                 </a:solidFill>
               </a:rPr>
-              <a:t>UniqueTagList</a:t>
+              <a:t>&lt;&lt;interface&gt;&gt;</a:t>
+            </a:r>
+            <a:br>
+              <a:rPr lang="en-US" sz="1050" dirty="0">
+                <a:solidFill>
+                  <a:srgbClr val="7030A0"/>
+                </a:solidFill>
+              </a:rPr>
+            </a:br>
+            <a:r>
+              <a:rPr lang="en-US" sz="1050" dirty="0">
+                <a:solidFill>
+                  <a:srgbClr val="7030A0"/>
+                </a:solidFill>
+              </a:rPr>
+              <a:t>ReadOnlyWorkoutBook</a:t>
             </a:r>
             <a:endParaRPr lang="en-SG" sz="1050" dirty="0">
               <a:solidFill>
@@ -5231,34 +4854,99 @@
           </a:p>
         </p:txBody>
       </p:sp>
-      <p:cxnSp>
-        <p:nvCxnSpPr>
-          <p:cNvPr id="53" name="Elbow Connector 78">
-            <a:extLst>
-              <a:ext uri="{FF2B5EF4-FFF2-40B4-BE49-F238E27FC236}">
-                <a16:creationId xmlns:a16="http://schemas.microsoft.com/office/drawing/2014/main" id="{B97967F8-618A-448B-81FD-CDFD4AF0EC64}"/>
-              </a:ext>
-            </a:extLst>
-          </p:cNvPr>
-          <p:cNvCxnSpPr>
-            <a:cxnSpLocks/>
-            <a:stCxn id="54" idx="0"/>
-            <a:endCxn id="52" idx="1"/>
-          </p:cNvCxnSpPr>
-          <p:nvPr/>
-        </p:nvCxnSpPr>
-        <p:spPr>
-          <a:xfrm rot="5400000" flipH="1" flipV="1">
-            <a:off x="4233181" y="2536174"/>
-            <a:ext cx="709111" cy="336271"/>
-          </a:xfrm>
-          <a:prstGeom prst="bentConnector2">
+      <p:sp>
+        <p:nvSpPr>
+          <p:cNvPr id="122" name="Rectangle 8"/>
+          <p:cNvSpPr/>
+          <p:nvPr/>
+        </p:nvSpPr>
+        <p:spPr>
+          <a:xfrm>
+            <a:off x="2034985" y="5909986"/>
+            <a:ext cx="1066800" cy="346760"/>
+          </a:xfrm>
+          <a:prstGeom prst="rect">
             <a:avLst/>
           </a:prstGeom>
           <a:ln w="19050">
             <a:solidFill>
               <a:srgbClr val="7030A0"/>
             </a:solidFill>
+          </a:ln>
+          <a:effectLst/>
+        </p:spPr>
+        <p:style>
+          <a:lnRef idx="1">
+            <a:schemeClr val="accent4"/>
+          </a:lnRef>
+          <a:fillRef idx="2">
+            <a:schemeClr val="accent4"/>
+          </a:fillRef>
+          <a:effectRef idx="1">
+            <a:schemeClr val="accent4"/>
+          </a:effectRef>
+          <a:fontRef idx="minor">
+            <a:schemeClr val="dk1"/>
+          </a:fontRef>
+        </p:style>
+        <p:txBody>
+          <a:bodyPr rtlCol="0" anchor="ctr"/>
+          <a:lstStyle/>
+          <a:p>
+            <a:pPr algn="ctr"/>
+            <a:r>
+              <a:rPr lang="en-US" sz="1050" dirty="0">
+                <a:solidFill>
+                  <a:srgbClr val="7030A0"/>
+                </a:solidFill>
+              </a:rPr>
+              <a:t>&lt;&lt;interface&gt;&gt;</a:t>
+            </a:r>
+            <a:br>
+              <a:rPr lang="en-US" sz="1050" dirty="0">
+                <a:solidFill>
+                  <a:srgbClr val="7030A0"/>
+                </a:solidFill>
+              </a:rPr>
+            </a:br>
+            <a:r>
+              <a:rPr lang="en-US" sz="1050" dirty="0">
+                <a:solidFill>
+                  <a:srgbClr val="7030A0"/>
+                </a:solidFill>
+              </a:rPr>
+              <a:t>ObservableList</a:t>
+            </a:r>
+            <a:endParaRPr lang="en-SG" sz="1050" dirty="0">
+              <a:solidFill>
+                <a:srgbClr val="7030A0"/>
+              </a:solidFill>
+            </a:endParaRPr>
+          </a:p>
+        </p:txBody>
+      </p:sp>
+      <p:cxnSp>
+        <p:nvCxnSpPr>
+          <p:cNvPr id="124" name="Elbow Connector 122"/>
+          <p:cNvCxnSpPr>
+            <a:stCxn id="119" idx="1"/>
+            <a:endCxn id="122" idx="1"/>
+          </p:cNvCxnSpPr>
+          <p:nvPr/>
+        </p:nvCxnSpPr>
+        <p:spPr>
+          <a:xfrm rot="16200000" flipH="1">
+            <a:off x="518019" y="4566400"/>
+            <a:ext cx="2501966" cy="531965"/>
+          </a:xfrm>
+          <a:prstGeom prst="bentConnector2">
+            <a:avLst/>
+          </a:prstGeom>
+          <a:ln w="19050">
+            <a:solidFill>
+              <a:srgbClr val="7030A0"/>
+            </a:solidFill>
+            <a:prstDash val="sysDot"/>
             <a:headEnd type="none" w="med" len="med"/>
             <a:tailEnd type="arrow" w="med" len="med"/>
           </a:ln>
@@ -5281,19 +4969,52 @@
       </p:cxnSp>
       <p:sp>
         <p:nvSpPr>
-          <p:cNvPr id="50" name="TextBox 49">
-            <a:extLst>
-              <a:ext uri="{FF2B5EF4-FFF2-40B4-BE49-F238E27FC236}">
-                <a16:creationId xmlns:a16="http://schemas.microsoft.com/office/drawing/2014/main" id="{B3FA9D57-880F-49C4-AD0B-A64E30D6F403}"/>
-              </a:ext>
-            </a:extLst>
-          </p:cNvPr>
+          <p:cNvPr id="54" name="TextBox 53"/>
           <p:cNvSpPr txBox="1"/>
           <p:nvPr/>
         </p:nvSpPr>
         <p:spPr>
           <a:xfrm>
-            <a:off x="6714344" y="2430721"/>
+            <a:off x="4532207" y="2795321"/>
+            <a:ext cx="189257" cy="178683"/>
+          </a:xfrm>
+          <a:prstGeom prst="rect">
+            <a:avLst/>
+          </a:prstGeom>
+          <a:noFill/>
+        </p:spPr>
+        <p:txBody>
+          <a:bodyPr wrap="square" lIns="0" tIns="0" rIns="0" bIns="0" rtlCol="0">
+            <a:noAutofit/>
+          </a:bodyPr>
+          <a:lstStyle/>
+          <a:p>
+            <a:pPr algn="ctr"/>
+            <a:r>
+              <a:rPr lang="en-US" sz="1100" dirty="0">
+                <a:solidFill>
+                  <a:srgbClr val="7030A0"/>
+                </a:solidFill>
+              </a:rPr>
+              <a:t>1</a:t>
+            </a:r>
+            <a:endParaRPr lang="en-SG" sz="1100" dirty="0">
+              <a:solidFill>
+                <a:srgbClr val="7030A0"/>
+              </a:solidFill>
+            </a:endParaRPr>
+          </a:p>
+        </p:txBody>
+      </p:sp>
+      <p:sp>
+        <p:nvSpPr>
+          <p:cNvPr id="61" name="TextBox 60"/>
+          <p:cNvSpPr txBox="1"/>
+          <p:nvPr/>
+        </p:nvSpPr>
+        <p:spPr>
+          <a:xfrm>
+            <a:off x="6141494" y="2011821"/>
             <a:ext cx="189257" cy="178683"/>
           </a:xfrm>
           <a:prstGeom prst="rect">
@@ -5326,25 +5047,160 @@
       </p:sp>
       <p:sp>
         <p:nvSpPr>
-          <p:cNvPr id="55" name="Flowchart: Decision 96">
-            <a:extLst>
-              <a:ext uri="{FF2B5EF4-FFF2-40B4-BE49-F238E27FC236}">
-                <a16:creationId xmlns:a16="http://schemas.microsoft.com/office/drawing/2014/main" id="{B9F96195-942D-4692-91B7-CF34229E7461}"/>
-              </a:ext>
-            </a:extLst>
-          </p:cNvPr>
+          <p:cNvPr id="65" name="TextBox 64"/>
+          <p:cNvSpPr txBox="1"/>
+          <p:nvPr/>
+        </p:nvSpPr>
+        <p:spPr>
+          <a:xfrm>
+            <a:off x="2573394" y="2756715"/>
+            <a:ext cx="170110" cy="137542"/>
+          </a:xfrm>
+          <a:prstGeom prst="rect">
+            <a:avLst/>
+          </a:prstGeom>
+          <a:noFill/>
+        </p:spPr>
+        <p:txBody>
+          <a:bodyPr wrap="square" lIns="0" tIns="0" rIns="0" bIns="0" rtlCol="0">
+            <a:noAutofit/>
+          </a:bodyPr>
+          <a:lstStyle/>
+          <a:p>
+            <a:pPr algn="ctr"/>
+            <a:r>
+              <a:rPr lang="en-US" sz="1100" dirty="0">
+                <a:solidFill>
+                  <a:srgbClr val="7030A0"/>
+                </a:solidFill>
+              </a:rPr>
+              <a:t>1</a:t>
+            </a:r>
+            <a:endParaRPr lang="en-SG" sz="1100" dirty="0">
+              <a:solidFill>
+                <a:srgbClr val="7030A0"/>
+              </a:solidFill>
+            </a:endParaRPr>
+          </a:p>
+        </p:txBody>
+      </p:sp>
+      <p:sp>
+        <p:nvSpPr>
+          <p:cNvPr id="66" name="TextBox 65"/>
+          <p:cNvSpPr txBox="1"/>
+          <p:nvPr/>
+        </p:nvSpPr>
+        <p:spPr>
+          <a:xfrm>
+            <a:off x="2729014" y="5427836"/>
+            <a:ext cx="189257" cy="178683"/>
+          </a:xfrm>
+          <a:prstGeom prst="rect">
+            <a:avLst/>
+          </a:prstGeom>
+          <a:noFill/>
+        </p:spPr>
+        <p:txBody>
+          <a:bodyPr wrap="square" lIns="0" tIns="0" rIns="0" bIns="0" rtlCol="0">
+            <a:noAutofit/>
+          </a:bodyPr>
+          <a:lstStyle/>
+          <a:p>
+            <a:pPr algn="ctr"/>
+            <a:r>
+              <a:rPr lang="en-US" sz="1100" dirty="0">
+                <a:solidFill>
+                  <a:srgbClr val="7030A0"/>
+                </a:solidFill>
+              </a:rPr>
+              <a:t>1</a:t>
+            </a:r>
+            <a:endParaRPr lang="en-SG" sz="1100" dirty="0">
+              <a:solidFill>
+                <a:srgbClr val="7030A0"/>
+              </a:solidFill>
+            </a:endParaRPr>
+          </a:p>
+        </p:txBody>
+      </p:sp>
+      <p:sp>
+        <p:nvSpPr>
+          <p:cNvPr id="55" name="Rectangle 8"/>
           <p:cNvSpPr/>
           <p:nvPr/>
         </p:nvSpPr>
         <p:spPr>
+          <a:xfrm>
+            <a:off x="3170181" y="1998350"/>
+            <a:ext cx="1060683" cy="364396"/>
+          </a:xfrm>
+          <a:prstGeom prst="rect">
+            <a:avLst/>
+          </a:prstGeom>
+          <a:ln w="19050">
+            <a:solidFill>
+              <a:srgbClr val="7030A0"/>
+            </a:solidFill>
+          </a:ln>
+          <a:effectLst/>
+        </p:spPr>
+        <p:style>
+          <a:lnRef idx="1">
+            <a:schemeClr val="accent4"/>
+          </a:lnRef>
+          <a:fillRef idx="2">
+            <a:schemeClr val="accent4"/>
+          </a:fillRef>
+          <a:effectRef idx="1">
+            <a:schemeClr val="accent4"/>
+          </a:effectRef>
+          <a:fontRef idx="minor">
+            <a:schemeClr val="dk1"/>
+          </a:fontRef>
+        </p:style>
+        <p:txBody>
+          <a:bodyPr rtlCol="0" anchor="ctr"/>
+          <a:lstStyle/>
+          <a:p>
+            <a:pPr algn="ctr"/>
+            <a:r>
+              <a:rPr lang="en-US" sz="1050" dirty="0">
+                <a:solidFill>
+                  <a:srgbClr val="7030A0"/>
+                </a:solidFill>
+              </a:rPr>
+              <a:t>WorkoutBook</a:t>
+            </a:r>
+            <a:endParaRPr lang="en-SG" sz="1050" dirty="0">
+              <a:solidFill>
+                <a:srgbClr val="7030A0"/>
+              </a:solidFill>
+            </a:endParaRPr>
+          </a:p>
+        </p:txBody>
+      </p:sp>
+      <p:sp>
+        <p:nvSpPr>
+          <p:cNvPr id="68" name="Isosceles Triangle 102"/>
+          <p:cNvSpPr/>
+          <p:nvPr/>
+        </p:nvSpPr>
+        <p:spPr>
           <a:xfrm rot="16200000">
-            <a:off x="6553482" y="2664721"/>
-            <a:ext cx="236048" cy="173380"/>
-          </a:xfrm>
-          <a:prstGeom prst="flowChartDecision">
-            <a:avLst/>
-          </a:prstGeom>
-          <a:noFill/>
+            <a:off x="2669073" y="2069158"/>
+            <a:ext cx="271014" cy="187417"/>
+          </a:xfrm>
+          <a:prstGeom prst="triangle">
+            <a:avLst>
+              <a:gd name="adj" fmla="val 44517"/>
+            </a:avLst>
+          </a:prstGeom>
+          <a:solidFill>
+            <a:schemeClr val="accent4">
+              <a:lumMod val="20000"/>
+              <a:lumOff val="80000"/>
+            </a:schemeClr>
+          </a:solidFill>
           <a:ln w="19050">
             <a:solidFill>
               <a:srgbClr val="7030A0"/>
@@ -5371,39 +5227,36 @@
           <a:lstStyle/>
           <a:p>
             <a:pPr algn="ctr"/>
-            <a:endParaRPr lang="en-US" sz="1050"/>
+            <a:endParaRPr lang="en-SG" sz="1050"/>
           </a:p>
         </p:txBody>
       </p:sp>
       <p:cxnSp>
         <p:nvCxnSpPr>
-          <p:cNvPr id="59" name="Elbow Connector 63">
-            <a:extLst>
-              <a:ext uri="{FF2B5EF4-FFF2-40B4-BE49-F238E27FC236}">
-                <a16:creationId xmlns:a16="http://schemas.microsoft.com/office/drawing/2014/main" id="{E2D6A56C-A223-4236-A1F0-7EFEBA2FC940}"/>
-              </a:ext>
-            </a:extLst>
-          </p:cNvPr>
+          <p:cNvPr id="69" name="Elbow Connector 63"/>
           <p:cNvCxnSpPr>
-            <a:cxnSpLocks/>
-            <a:endCxn id="67" idx="1"/>
+            <a:stCxn id="68" idx="3"/>
+            <a:endCxn id="55" idx="1"/>
           </p:cNvCxnSpPr>
           <p:nvPr/>
         </p:nvCxnSpPr>
         <p:spPr>
-          <a:xfrm flipV="1">
-            <a:off x="5884280" y="2233006"/>
-            <a:ext cx="432916" cy="111294"/>
+          <a:xfrm>
+            <a:off x="2898289" y="2177727"/>
+            <a:ext cx="271892" cy="2821"/>
           </a:xfrm>
           <a:prstGeom prst="bentConnector3">
-            <a:avLst/>
+            <a:avLst>
+              <a:gd name="adj1" fmla="val 50000"/>
+            </a:avLst>
           </a:prstGeom>
           <a:ln w="19050">
             <a:solidFill>
               <a:srgbClr val="7030A0"/>
             </a:solidFill>
+            <a:prstDash val="sysDot"/>
             <a:headEnd type="none" w="med" len="med"/>
-            <a:tailEnd type="arrow" w="med" len="med"/>
+            <a:tailEnd type="none" w="med" len="med"/>
           </a:ln>
           <a:effectLst/>
         </p:spPr>
@@ -5424,10 +5277,10 @@
       </p:cxnSp>
       <p:sp>
         <p:nvSpPr>
-          <p:cNvPr id="67" name="Rectangle 8">
+          <p:cNvPr id="56" name="Rectangle 8">
             <a:extLst>
               <a:ext uri="{FF2B5EF4-FFF2-40B4-BE49-F238E27FC236}">
-                <a16:creationId xmlns:a16="http://schemas.microsoft.com/office/drawing/2014/main" id="{36D68104-33BB-4C8F-B764-F3F0B25E592B}"/>
+                <a16:creationId xmlns:a16="http://schemas.microsoft.com/office/drawing/2014/main" id="{268A1659-F9F8-4129-B5F7-4199CD0A824B}"/>
               </a:ext>
             </a:extLst>
           </p:cNvPr>
@@ -5436,8 +5289,8 @@
         </p:nvSpPr>
         <p:spPr>
           <a:xfrm>
-            <a:off x="6317196" y="2059626"/>
-            <a:ext cx="708186" cy="346760"/>
+            <a:off x="7788597" y="3308355"/>
+            <a:ext cx="822003" cy="285783"/>
           </a:xfrm>
           <a:prstGeom prst="rect">
             <a:avLst/>
@@ -5474,7 +5327,7 @@
                   <a:srgbClr val="7030A0"/>
                 </a:solidFill>
               </a:rPr>
-              <a:t>Tag</a:t>
+              <a:t>Equipment</a:t>
             </a:r>
             <a:endParaRPr lang="en-SG" sz="1050" dirty="0">
               <a:solidFill>
@@ -5484,44 +5337,111 @@
           </a:p>
         </p:txBody>
       </p:sp>
-      <p:sp>
-        <p:nvSpPr>
-          <p:cNvPr id="68" name="TextBox 67">
+      <p:cxnSp>
+        <p:nvCxnSpPr>
+          <p:cNvPr id="57" name="Elbow Connector 85">
             <a:extLst>
               <a:ext uri="{FF2B5EF4-FFF2-40B4-BE49-F238E27FC236}">
-                <a16:creationId xmlns:a16="http://schemas.microsoft.com/office/drawing/2014/main" id="{18A2ABF0-4DA8-43EE-BACE-A737C4E4CFEC}"/>
+                <a16:creationId xmlns:a16="http://schemas.microsoft.com/office/drawing/2014/main" id="{925FFCDD-D285-4411-8327-9CF477952F94}"/>
               </a:ext>
             </a:extLst>
           </p:cNvPr>
-          <p:cNvSpPr txBox="1"/>
-          <p:nvPr/>
-        </p:nvSpPr>
-        <p:spPr>
-          <a:xfrm>
-            <a:off x="6135256" y="2278014"/>
-            <a:ext cx="189257" cy="178683"/>
+          <p:cNvCxnSpPr>
+            <a:cxnSpLocks/>
+            <a:stCxn id="78" idx="3"/>
+            <a:endCxn id="56" idx="1"/>
+          </p:cNvCxnSpPr>
+          <p:nvPr/>
+        </p:nvCxnSpPr>
+        <p:spPr>
+          <a:xfrm>
+            <a:off x="7267504" y="1925131"/>
+            <a:ext cx="521093" cy="1526116"/>
+          </a:xfrm>
+          <a:prstGeom prst="bentConnector3">
+            <a:avLst>
+              <a:gd name="adj1" fmla="val 50000"/>
+            </a:avLst>
+          </a:prstGeom>
+          <a:ln w="19050">
+            <a:solidFill>
+              <a:srgbClr val="7030A0"/>
+            </a:solidFill>
+            <a:headEnd type="none" w="med" len="med"/>
+            <a:tailEnd type="arrow" w="med" len="med"/>
+          </a:ln>
+          <a:effectLst/>
+        </p:spPr>
+        <p:style>
+          <a:lnRef idx="1">
+            <a:schemeClr val="accent2"/>
+          </a:lnRef>
+          <a:fillRef idx="2">
+            <a:schemeClr val="accent2"/>
+          </a:fillRef>
+          <a:effectRef idx="1">
+            <a:schemeClr val="accent2"/>
+          </a:effectRef>
+          <a:fontRef idx="minor">
+            <a:schemeClr val="dk1"/>
+          </a:fontRef>
+        </p:style>
+      </p:cxnSp>
+      <p:sp>
+        <p:nvSpPr>
+          <p:cNvPr id="59" name="Rectangle 8">
+            <a:extLst>
+              <a:ext uri="{FF2B5EF4-FFF2-40B4-BE49-F238E27FC236}">
+                <a16:creationId xmlns:a16="http://schemas.microsoft.com/office/drawing/2014/main" id="{C5196676-460D-4496-81B3-1CFFF3DECF85}"/>
+              </a:ext>
+            </a:extLst>
+          </p:cNvPr>
+          <p:cNvSpPr/>
+          <p:nvPr/>
+        </p:nvSpPr>
+        <p:spPr>
+          <a:xfrm>
+            <a:off x="7788597" y="3633943"/>
+            <a:ext cx="822003" cy="285783"/>
           </a:xfrm>
           <a:prstGeom prst="rect">
             <a:avLst/>
           </a:prstGeom>
-          <a:noFill/>
-        </p:spPr>
-        <p:txBody>
-          <a:bodyPr wrap="square" lIns="0" tIns="0" rIns="0" bIns="0" rtlCol="0">
-            <a:noAutofit/>
-          </a:bodyPr>
+          <a:ln w="19050">
+            <a:solidFill>
+              <a:srgbClr val="7030A0"/>
+            </a:solidFill>
+          </a:ln>
+          <a:effectLst/>
+        </p:spPr>
+        <p:style>
+          <a:lnRef idx="1">
+            <a:schemeClr val="accent4"/>
+          </a:lnRef>
+          <a:fillRef idx="2">
+            <a:schemeClr val="accent4"/>
+          </a:fillRef>
+          <a:effectRef idx="1">
+            <a:schemeClr val="accent4"/>
+          </a:effectRef>
+          <a:fontRef idx="minor">
+            <a:schemeClr val="dk1"/>
+          </a:fontRef>
+        </p:style>
+        <p:txBody>
+          <a:bodyPr rtlCol="0" anchor="ctr"/>
           <a:lstStyle/>
           <a:p>
             <a:pPr algn="ctr"/>
             <a:r>
-              <a:rPr lang="en-US" sz="1100" dirty="0">
+              <a:rPr lang="en-US" sz="1050" dirty="0">
                 <a:solidFill>
                   <a:srgbClr val="7030A0"/>
                 </a:solidFill>
               </a:rPr>
-              <a:t>*</a:t>
-            </a:r>
-            <a:endParaRPr lang="en-SG" sz="1100" dirty="0">
+              <a:t>Muscle</a:t>
+            </a:r>
+            <a:endParaRPr lang="en-SG" sz="1050" dirty="0">
               <a:solidFill>
                 <a:srgbClr val="7030A0"/>
               </a:solidFill>
@@ -5529,44 +5449,111 @@
           </a:p>
         </p:txBody>
       </p:sp>
-      <p:sp>
-        <p:nvSpPr>
-          <p:cNvPr id="69" name="TextBox 68">
+      <p:cxnSp>
+        <p:nvCxnSpPr>
+          <p:cNvPr id="67" name="Elbow Connector 85">
             <a:extLst>
               <a:ext uri="{FF2B5EF4-FFF2-40B4-BE49-F238E27FC236}">
-                <a16:creationId xmlns:a16="http://schemas.microsoft.com/office/drawing/2014/main" id="{8CF9406A-39C7-4163-8880-BB65541FC08E}"/>
+                <a16:creationId xmlns:a16="http://schemas.microsoft.com/office/drawing/2014/main" id="{1B1CE18B-64DD-47EB-A55C-DCEBF6E0DB74}"/>
               </a:ext>
             </a:extLst>
           </p:cNvPr>
-          <p:cNvSpPr txBox="1"/>
-          <p:nvPr/>
-        </p:nvSpPr>
-        <p:spPr>
-          <a:xfrm>
-            <a:off x="4367100" y="2172972"/>
-            <a:ext cx="189257" cy="178683"/>
+          <p:cNvCxnSpPr>
+            <a:cxnSpLocks/>
+            <a:stCxn id="78" idx="3"/>
+            <a:endCxn id="59" idx="1"/>
+          </p:cNvCxnSpPr>
+          <p:nvPr/>
+        </p:nvCxnSpPr>
+        <p:spPr>
+          <a:xfrm>
+            <a:off x="7267504" y="1925131"/>
+            <a:ext cx="521093" cy="1851704"/>
+          </a:xfrm>
+          <a:prstGeom prst="bentConnector3">
+            <a:avLst>
+              <a:gd name="adj1" fmla="val 50000"/>
+            </a:avLst>
+          </a:prstGeom>
+          <a:ln w="19050">
+            <a:solidFill>
+              <a:srgbClr val="7030A0"/>
+            </a:solidFill>
+            <a:headEnd type="none" w="med" len="med"/>
+            <a:tailEnd type="arrow" w="med" len="med"/>
+          </a:ln>
+          <a:effectLst/>
+        </p:spPr>
+        <p:style>
+          <a:lnRef idx="1">
+            <a:schemeClr val="accent2"/>
+          </a:lnRef>
+          <a:fillRef idx="2">
+            <a:schemeClr val="accent2"/>
+          </a:fillRef>
+          <a:effectRef idx="1">
+            <a:schemeClr val="accent2"/>
+          </a:effectRef>
+          <a:fontRef idx="minor">
+            <a:schemeClr val="dk1"/>
+          </a:fontRef>
+        </p:style>
+      </p:cxnSp>
+      <p:sp>
+        <p:nvSpPr>
+          <p:cNvPr id="71" name="Rectangle 8">
+            <a:extLst>
+              <a:ext uri="{FF2B5EF4-FFF2-40B4-BE49-F238E27FC236}">
+                <a16:creationId xmlns:a16="http://schemas.microsoft.com/office/drawing/2014/main" id="{1791D6A0-75A8-4FC6-BF5F-8B04530F641A}"/>
+              </a:ext>
+            </a:extLst>
+          </p:cNvPr>
+          <p:cNvSpPr/>
+          <p:nvPr/>
+        </p:nvSpPr>
+        <p:spPr>
+          <a:xfrm>
+            <a:off x="7788597" y="3957075"/>
+            <a:ext cx="822003" cy="285783"/>
           </a:xfrm>
           <a:prstGeom prst="rect">
             <a:avLst/>
           </a:prstGeom>
-          <a:noFill/>
-        </p:spPr>
-        <p:txBody>
-          <a:bodyPr wrap="square" lIns="0" tIns="0" rIns="0" bIns="0" rtlCol="0">
-            <a:noAutofit/>
-          </a:bodyPr>
+          <a:ln w="19050">
+            <a:solidFill>
+              <a:srgbClr val="7030A0"/>
+            </a:solidFill>
+          </a:ln>
+          <a:effectLst/>
+        </p:spPr>
+        <p:style>
+          <a:lnRef idx="1">
+            <a:schemeClr val="accent4"/>
+          </a:lnRef>
+          <a:fillRef idx="2">
+            <a:schemeClr val="accent4"/>
+          </a:fillRef>
+          <a:effectRef idx="1">
+            <a:schemeClr val="accent4"/>
+          </a:effectRef>
+          <a:fontRef idx="minor">
+            <a:schemeClr val="dk1"/>
+          </a:fontRef>
+        </p:style>
+        <p:txBody>
+          <a:bodyPr rtlCol="0" anchor="ctr"/>
           <a:lstStyle/>
           <a:p>
             <a:pPr algn="ctr"/>
             <a:r>
-              <a:rPr lang="en-US" sz="1100" dirty="0">
+              <a:rPr lang="en-US" sz="1050" dirty="0">
                 <a:solidFill>
                   <a:srgbClr val="7030A0"/>
                 </a:solidFill>
               </a:rPr>
-              <a:t>1</a:t>
-            </a:r>
-            <a:endParaRPr lang="en-SG" sz="1100" dirty="0">
+              <a:t>Calories</a:t>
+            </a:r>
+            <a:endParaRPr lang="en-SG" sz="1050" dirty="0">
               <a:solidFill>
                 <a:srgbClr val="7030A0"/>
               </a:solidFill>
@@ -5574,12 +5561,62 @@
           </a:p>
         </p:txBody>
       </p:sp>
-      <p:sp>
-        <p:nvSpPr>
-          <p:cNvPr id="71" name="Flowchart: Decision 96">
+      <p:cxnSp>
+        <p:nvCxnSpPr>
+          <p:cNvPr id="72" name="Elbow Connector 85">
             <a:extLst>
               <a:ext uri="{FF2B5EF4-FFF2-40B4-BE49-F238E27FC236}">
-                <a16:creationId xmlns:a16="http://schemas.microsoft.com/office/drawing/2014/main" id="{233007D4-EEA2-4CA6-ACFE-1517B654224E}"/>
+                <a16:creationId xmlns:a16="http://schemas.microsoft.com/office/drawing/2014/main" id="{FB44F498-F74F-42BD-9FF7-E482034F81E3}"/>
+              </a:ext>
+            </a:extLst>
+          </p:cNvPr>
+          <p:cNvCxnSpPr>
+            <a:cxnSpLocks/>
+            <a:stCxn id="78" idx="3"/>
+            <a:endCxn id="71" idx="1"/>
+          </p:cNvCxnSpPr>
+          <p:nvPr/>
+        </p:nvCxnSpPr>
+        <p:spPr>
+          <a:xfrm>
+            <a:off x="7267504" y="1925131"/>
+            <a:ext cx="521093" cy="2174836"/>
+          </a:xfrm>
+          <a:prstGeom prst="bentConnector3">
+            <a:avLst>
+              <a:gd name="adj1" fmla="val 50000"/>
+            </a:avLst>
+          </a:prstGeom>
+          <a:ln w="19050">
+            <a:solidFill>
+              <a:srgbClr val="7030A0"/>
+            </a:solidFill>
+            <a:headEnd type="none" w="med" len="med"/>
+            <a:tailEnd type="arrow" w="med" len="med"/>
+          </a:ln>
+          <a:effectLst/>
+        </p:spPr>
+        <p:style>
+          <a:lnRef idx="1">
+            <a:schemeClr val="accent2"/>
+          </a:lnRef>
+          <a:fillRef idx="2">
+            <a:schemeClr val="accent2"/>
+          </a:fillRef>
+          <a:effectRef idx="1">
+            <a:schemeClr val="accent2"/>
+          </a:effectRef>
+          <a:fontRef idx="minor">
+            <a:schemeClr val="dk1"/>
+          </a:fontRef>
+        </p:style>
+      </p:cxnSp>
+      <p:sp>
+        <p:nvSpPr>
+          <p:cNvPr id="73" name="Rectangle 8">
+            <a:extLst>
+              <a:ext uri="{FF2B5EF4-FFF2-40B4-BE49-F238E27FC236}">
+                <a16:creationId xmlns:a16="http://schemas.microsoft.com/office/drawing/2014/main" id="{34CF3D2C-3687-418E-A2E4-3B842C7354D8}"/>
               </a:ext>
             </a:extLst>
           </p:cNvPr>
@@ -5588,15 +5625,443 @@
         </p:nvSpPr>
         <p:spPr>
           <a:xfrm>
-            <a:off x="5911329" y="2262081"/>
+            <a:off x="7788597" y="4282901"/>
+            <a:ext cx="822003" cy="285783"/>
+          </a:xfrm>
+          <a:prstGeom prst="rect">
+            <a:avLst/>
+          </a:prstGeom>
+          <a:ln w="19050">
+            <a:solidFill>
+              <a:srgbClr val="7030A0"/>
+            </a:solidFill>
+          </a:ln>
+          <a:effectLst/>
+        </p:spPr>
+        <p:style>
+          <a:lnRef idx="1">
+            <a:schemeClr val="accent4"/>
+          </a:lnRef>
+          <a:fillRef idx="2">
+            <a:schemeClr val="accent4"/>
+          </a:fillRef>
+          <a:effectRef idx="1">
+            <a:schemeClr val="accent4"/>
+          </a:effectRef>
+          <a:fontRef idx="minor">
+            <a:schemeClr val="dk1"/>
+          </a:fontRef>
+        </p:style>
+        <p:txBody>
+          <a:bodyPr rtlCol="0" anchor="ctr"/>
+          <a:lstStyle/>
+          <a:p>
+            <a:pPr algn="ctr"/>
+            <a:r>
+              <a:rPr lang="en-US" sz="1050" dirty="0">
+                <a:solidFill>
+                  <a:srgbClr val="7030A0"/>
+                </a:solidFill>
+              </a:rPr>
+              <a:t>Instruction</a:t>
+            </a:r>
+            <a:endParaRPr lang="en-SG" sz="1050" dirty="0">
+              <a:solidFill>
+                <a:srgbClr val="7030A0"/>
+              </a:solidFill>
+            </a:endParaRPr>
+          </a:p>
+        </p:txBody>
+      </p:sp>
+      <p:cxnSp>
+        <p:nvCxnSpPr>
+          <p:cNvPr id="74" name="Elbow Connector 85">
+            <a:extLst>
+              <a:ext uri="{FF2B5EF4-FFF2-40B4-BE49-F238E27FC236}">
+                <a16:creationId xmlns:a16="http://schemas.microsoft.com/office/drawing/2014/main" id="{E691065C-6EA7-44B7-9261-B899AD2BD14E}"/>
+              </a:ext>
+            </a:extLst>
+          </p:cNvPr>
+          <p:cNvCxnSpPr>
+            <a:cxnSpLocks/>
+            <a:stCxn id="78" idx="3"/>
+            <a:endCxn id="73" idx="1"/>
+          </p:cNvCxnSpPr>
+          <p:nvPr/>
+        </p:nvCxnSpPr>
+        <p:spPr>
+          <a:xfrm>
+            <a:off x="7267504" y="1925131"/>
+            <a:ext cx="521093" cy="2500662"/>
+          </a:xfrm>
+          <a:prstGeom prst="bentConnector3">
+            <a:avLst>
+              <a:gd name="adj1" fmla="val 50000"/>
+            </a:avLst>
+          </a:prstGeom>
+          <a:ln w="19050">
+            <a:solidFill>
+              <a:srgbClr val="7030A0"/>
+            </a:solidFill>
+            <a:headEnd type="none" w="med" len="med"/>
+            <a:tailEnd type="arrow" w="med" len="med"/>
+          </a:ln>
+          <a:effectLst/>
+        </p:spPr>
+        <p:style>
+          <a:lnRef idx="1">
+            <a:schemeClr val="accent2"/>
+          </a:lnRef>
+          <a:fillRef idx="2">
+            <a:schemeClr val="accent2"/>
+          </a:fillRef>
+          <a:effectRef idx="1">
+            <a:schemeClr val="accent2"/>
+          </a:effectRef>
+          <a:fontRef idx="minor">
+            <a:schemeClr val="dk1"/>
+          </a:fontRef>
+        </p:style>
+      </p:cxnSp>
+      <p:sp>
+        <p:nvSpPr>
+          <p:cNvPr id="87" name="Rectangle 8">
+            <a:extLst>
+              <a:ext uri="{FF2B5EF4-FFF2-40B4-BE49-F238E27FC236}">
+                <a16:creationId xmlns:a16="http://schemas.microsoft.com/office/drawing/2014/main" id="{DAD2AB6D-85A8-44FB-8325-CC2AEA278351}"/>
+              </a:ext>
+            </a:extLst>
+          </p:cNvPr>
+          <p:cNvSpPr/>
+          <p:nvPr/>
+        </p:nvSpPr>
+        <p:spPr>
+          <a:xfrm>
+            <a:off x="7788597" y="4608407"/>
+            <a:ext cx="822003" cy="285783"/>
+          </a:xfrm>
+          <a:prstGeom prst="rect">
+            <a:avLst/>
+          </a:prstGeom>
+          <a:ln w="19050">
+            <a:solidFill>
+              <a:srgbClr val="7030A0"/>
+            </a:solidFill>
+          </a:ln>
+          <a:effectLst/>
+        </p:spPr>
+        <p:style>
+          <a:lnRef idx="1">
+            <a:schemeClr val="accent4"/>
+          </a:lnRef>
+          <a:fillRef idx="2">
+            <a:schemeClr val="accent4"/>
+          </a:fillRef>
+          <a:effectRef idx="1">
+            <a:schemeClr val="accent4"/>
+          </a:effectRef>
+          <a:fontRef idx="minor">
+            <a:schemeClr val="dk1"/>
+          </a:fontRef>
+        </p:style>
+        <p:txBody>
+          <a:bodyPr rtlCol="0" anchor="ctr"/>
+          <a:lstStyle/>
+          <a:p>
+            <a:pPr algn="ctr"/>
+            <a:r>
+              <a:rPr lang="en-US" sz="1050" dirty="0">
+                <a:solidFill>
+                  <a:srgbClr val="7030A0"/>
+                </a:solidFill>
+              </a:rPr>
+              <a:t>Remark</a:t>
+            </a:r>
+            <a:endParaRPr lang="en-SG" sz="1050" dirty="0">
+              <a:solidFill>
+                <a:srgbClr val="7030A0"/>
+              </a:solidFill>
+            </a:endParaRPr>
+          </a:p>
+        </p:txBody>
+      </p:sp>
+      <p:cxnSp>
+        <p:nvCxnSpPr>
+          <p:cNvPr id="88" name="Elbow Connector 85">
+            <a:extLst>
+              <a:ext uri="{FF2B5EF4-FFF2-40B4-BE49-F238E27FC236}">
+                <a16:creationId xmlns:a16="http://schemas.microsoft.com/office/drawing/2014/main" id="{E8E31B87-D9DD-4C86-BA49-6FC35848757F}"/>
+              </a:ext>
+            </a:extLst>
+          </p:cNvPr>
+          <p:cNvCxnSpPr>
+            <a:cxnSpLocks/>
+            <a:stCxn id="78" idx="3"/>
+            <a:endCxn id="87" idx="1"/>
+          </p:cNvCxnSpPr>
+          <p:nvPr/>
+        </p:nvCxnSpPr>
+        <p:spPr>
+          <a:xfrm>
+            <a:off x="7267504" y="1925131"/>
+            <a:ext cx="521093" cy="2826168"/>
+          </a:xfrm>
+          <a:prstGeom prst="bentConnector3">
+            <a:avLst>
+              <a:gd name="adj1" fmla="val 50000"/>
+            </a:avLst>
+          </a:prstGeom>
+          <a:ln w="19050">
+            <a:solidFill>
+              <a:srgbClr val="7030A0"/>
+            </a:solidFill>
+            <a:headEnd type="none" w="med" len="med"/>
+            <a:tailEnd type="arrow" w="med" len="med"/>
+          </a:ln>
+          <a:effectLst/>
+        </p:spPr>
+        <p:style>
+          <a:lnRef idx="1">
+            <a:schemeClr val="accent2"/>
+          </a:lnRef>
+          <a:fillRef idx="2">
+            <a:schemeClr val="accent2"/>
+          </a:fillRef>
+          <a:effectRef idx="1">
+            <a:schemeClr val="accent2"/>
+          </a:effectRef>
+          <a:fontRef idx="minor">
+            <a:schemeClr val="dk1"/>
+          </a:fontRef>
+        </p:style>
+      </p:cxnSp>
+      <p:cxnSp>
+        <p:nvCxnSpPr>
+          <p:cNvPr id="104" name="Elbow Connector 80">
+            <a:extLst>
+              <a:ext uri="{FF2B5EF4-FFF2-40B4-BE49-F238E27FC236}">
+                <a16:creationId xmlns:a16="http://schemas.microsoft.com/office/drawing/2014/main" id="{7AA5D50C-D345-45FC-968D-6EB4345C0615}"/>
+              </a:ext>
+            </a:extLst>
+          </p:cNvPr>
+          <p:cNvCxnSpPr>
+            <a:cxnSpLocks/>
+            <a:stCxn id="78" idx="3"/>
+            <a:endCxn id="76" idx="1"/>
+          </p:cNvCxnSpPr>
+          <p:nvPr/>
+        </p:nvCxnSpPr>
+        <p:spPr>
+          <a:xfrm>
+            <a:off x="7267504" y="1925131"/>
+            <a:ext cx="521093" cy="229582"/>
+          </a:xfrm>
+          <a:prstGeom prst="bentConnector3">
+            <a:avLst/>
+          </a:prstGeom>
+          <a:ln w="19050">
+            <a:solidFill>
+              <a:srgbClr val="7030A0"/>
+            </a:solidFill>
+            <a:headEnd type="none" w="med" len="med"/>
+            <a:tailEnd type="arrow" w="med" len="med"/>
+          </a:ln>
+          <a:effectLst/>
+        </p:spPr>
+        <p:style>
+          <a:lnRef idx="1">
+            <a:schemeClr val="accent2"/>
+          </a:lnRef>
+          <a:fillRef idx="2">
+            <a:schemeClr val="accent2"/>
+          </a:fillRef>
+          <a:effectRef idx="1">
+            <a:schemeClr val="accent2"/>
+          </a:effectRef>
+          <a:fontRef idx="minor">
+            <a:schemeClr val="dk1"/>
+          </a:fontRef>
+        </p:style>
+      </p:cxnSp>
+      <p:cxnSp>
+        <p:nvCxnSpPr>
+          <p:cNvPr id="108" name="Elbow Connector 106">
+            <a:extLst>
+              <a:ext uri="{FF2B5EF4-FFF2-40B4-BE49-F238E27FC236}">
+                <a16:creationId xmlns:a16="http://schemas.microsoft.com/office/drawing/2014/main" id="{716B5ED2-D8B6-47E9-A9A7-41406ED9F526}"/>
+              </a:ext>
+            </a:extLst>
+          </p:cNvPr>
+          <p:cNvCxnSpPr>
+            <a:cxnSpLocks/>
+          </p:cNvCxnSpPr>
+          <p:nvPr/>
+        </p:nvCxnSpPr>
+        <p:spPr>
+          <a:xfrm flipV="1">
+            <a:off x="2387984" y="2109733"/>
+            <a:ext cx="4585228" cy="2152269"/>
+          </a:xfrm>
+          <a:prstGeom prst="bentConnector3">
+            <a:avLst>
+              <a:gd name="adj1" fmla="val 100022"/>
+            </a:avLst>
+          </a:prstGeom>
+          <a:ln w="19050">
+            <a:solidFill>
+              <a:srgbClr val="7030A0"/>
+            </a:solidFill>
+            <a:prstDash val="solid"/>
+            <a:headEnd type="none" w="med" len="med"/>
+            <a:tailEnd type="arrow" w="med" len="med"/>
+          </a:ln>
+          <a:effectLst/>
+        </p:spPr>
+        <p:style>
+          <a:lnRef idx="1">
+            <a:schemeClr val="accent2"/>
+          </a:lnRef>
+          <a:fillRef idx="2">
+            <a:schemeClr val="accent2"/>
+          </a:fillRef>
+          <a:effectRef idx="1">
+            <a:schemeClr val="accent2"/>
+          </a:effectRef>
+          <a:fontRef idx="minor">
+            <a:schemeClr val="dk1"/>
+          </a:fontRef>
+        </p:style>
+      </p:cxnSp>
+      <p:sp>
+        <p:nvSpPr>
+          <p:cNvPr id="109" name="Rectangle 8">
+            <a:extLst>
+              <a:ext uri="{FF2B5EF4-FFF2-40B4-BE49-F238E27FC236}">
+                <a16:creationId xmlns:a16="http://schemas.microsoft.com/office/drawing/2014/main" id="{DC07F918-7A1D-4BEC-ACFD-65B86C268455}"/>
+              </a:ext>
+            </a:extLst>
+          </p:cNvPr>
+          <p:cNvSpPr/>
+          <p:nvPr/>
+        </p:nvSpPr>
+        <p:spPr>
+          <a:xfrm>
+            <a:off x="2831518" y="3679163"/>
+            <a:ext cx="1490560" cy="334856"/>
+          </a:xfrm>
+          <a:prstGeom prst="rect">
+            <a:avLst/>
+          </a:prstGeom>
+          <a:ln w="19050">
+            <a:solidFill>
+              <a:srgbClr val="7030A0"/>
+            </a:solidFill>
+          </a:ln>
+          <a:effectLst/>
+        </p:spPr>
+        <p:style>
+          <a:lnRef idx="1">
+            <a:schemeClr val="accent4"/>
+          </a:lnRef>
+          <a:fillRef idx="2">
+            <a:schemeClr val="accent4"/>
+          </a:fillRef>
+          <a:effectRef idx="1">
+            <a:schemeClr val="accent4"/>
+          </a:effectRef>
+          <a:fontRef idx="minor">
+            <a:schemeClr val="dk1"/>
+          </a:fontRef>
+        </p:style>
+        <p:txBody>
+          <a:bodyPr rtlCol="0" anchor="ctr"/>
+          <a:lstStyle/>
+          <a:p>
+            <a:pPr algn="ctr"/>
+            <a:r>
+              <a:rPr lang="en-US" sz="1050">
+                <a:solidFill>
+                  <a:srgbClr val="7030A0"/>
+                </a:solidFill>
+              </a:rPr>
+              <a:t>VersionedTrackedData</a:t>
+            </a:r>
+            <a:endParaRPr lang="en-SG" sz="1050" dirty="0">
+              <a:solidFill>
+                <a:srgbClr val="7030A0"/>
+              </a:solidFill>
+            </a:endParaRPr>
+          </a:p>
+        </p:txBody>
+      </p:sp>
+      <p:cxnSp>
+        <p:nvCxnSpPr>
+          <p:cNvPr id="110" name="Straight Arrow Connector 109">
+            <a:extLst>
+              <a:ext uri="{FF2B5EF4-FFF2-40B4-BE49-F238E27FC236}">
+                <a16:creationId xmlns:a16="http://schemas.microsoft.com/office/drawing/2014/main" id="{02B09D5D-6868-4364-8C3C-6354C397DB3F}"/>
+              </a:ext>
+            </a:extLst>
+          </p:cNvPr>
+          <p:cNvCxnSpPr>
+            <a:stCxn id="111" idx="3"/>
+            <a:endCxn id="109" idx="1"/>
+          </p:cNvCxnSpPr>
+          <p:nvPr/>
+        </p:nvCxnSpPr>
+        <p:spPr>
+          <a:xfrm>
+            <a:off x="2630598" y="3836034"/>
+            <a:ext cx="200920" cy="10557"/>
+          </a:xfrm>
+          <a:prstGeom prst="straightConnector1">
+            <a:avLst/>
+          </a:prstGeom>
+          <a:ln w="19050">
+            <a:solidFill>
+              <a:srgbClr val="7030A0"/>
+            </a:solidFill>
+            <a:headEnd type="none" w="med" len="med"/>
+            <a:tailEnd type="arrow" w="med" len="med"/>
+          </a:ln>
+          <a:effectLst/>
+        </p:spPr>
+        <p:style>
+          <a:lnRef idx="1">
+            <a:schemeClr val="accent2"/>
+          </a:lnRef>
+          <a:fillRef idx="2">
+            <a:schemeClr val="accent2"/>
+          </a:fillRef>
+          <a:effectRef idx="1">
+            <a:schemeClr val="accent2"/>
+          </a:effectRef>
+          <a:fontRef idx="minor">
+            <a:schemeClr val="dk1"/>
+          </a:fontRef>
+        </p:style>
+      </p:cxnSp>
+      <p:sp>
+        <p:nvSpPr>
+          <p:cNvPr id="111" name="Flowchart: Decision 96">
+            <a:extLst>
+              <a:ext uri="{FF2B5EF4-FFF2-40B4-BE49-F238E27FC236}">
+                <a16:creationId xmlns:a16="http://schemas.microsoft.com/office/drawing/2014/main" id="{29BC7F1B-771C-49E1-8060-54FD1C289144}"/>
+              </a:ext>
+            </a:extLst>
+          </p:cNvPr>
+          <p:cNvSpPr/>
+          <p:nvPr/>
+        </p:nvSpPr>
+        <p:spPr>
+          <a:xfrm>
+            <a:off x="2394550" y="3749344"/>
             <a:ext cx="236048" cy="173380"/>
           </a:xfrm>
           <a:prstGeom prst="flowChartDecision">
             <a:avLst/>
           </a:prstGeom>
-          <a:solidFill>
-            <a:srgbClr val="7030A0"/>
-          </a:solidFill>
+          <a:noFill/>
           <a:ln w="19050">
             <a:solidFill>
               <a:srgbClr val="7030A0"/>
@@ -5627,111 +6092,24 @@
           </a:p>
         </p:txBody>
       </p:sp>
-      <p:cxnSp>
-        <p:nvCxnSpPr>
-          <p:cNvPr id="72" name="Elbow Connector 78">
+      <p:sp>
+        <p:nvSpPr>
+          <p:cNvPr id="112" name="Rectangle 8">
             <a:extLst>
               <a:ext uri="{FF2B5EF4-FFF2-40B4-BE49-F238E27FC236}">
-                <a16:creationId xmlns:a16="http://schemas.microsoft.com/office/drawing/2014/main" id="{D5DFB8C5-B0B0-46C1-967B-4449112ABD6F}"/>
+                <a16:creationId xmlns:a16="http://schemas.microsoft.com/office/drawing/2014/main" id="{92584896-7C8B-47B6-AFCB-8F40467EBCCA}"/>
               </a:ext>
             </a:extLst>
           </p:cNvPr>
-          <p:cNvCxnSpPr>
-            <a:cxnSpLocks/>
-            <a:stCxn id="55" idx="3"/>
-            <a:endCxn id="67" idx="2"/>
-          </p:cNvCxnSpPr>
-          <p:nvPr/>
-        </p:nvCxnSpPr>
-        <p:spPr>
-          <a:xfrm rot="16200000" flipV="1">
-            <a:off x="6557898" y="2519778"/>
-            <a:ext cx="227001" cy="217"/>
-          </a:xfrm>
-          <a:prstGeom prst="bentConnector3">
-            <a:avLst>
-              <a:gd name="adj1" fmla="val 50000"/>
-            </a:avLst>
-          </a:prstGeom>
-          <a:ln w="19050">
-            <a:solidFill>
-              <a:srgbClr val="7030A0"/>
-            </a:solidFill>
-            <a:headEnd type="none" w="med" len="med"/>
-            <a:tailEnd type="arrow" w="med" len="med"/>
-          </a:ln>
-          <a:effectLst/>
-        </p:spPr>
-        <p:style>
-          <a:lnRef idx="1">
-            <a:schemeClr val="accent2"/>
-          </a:lnRef>
-          <a:fillRef idx="2">
-            <a:schemeClr val="accent2"/>
-          </a:fillRef>
-          <a:effectRef idx="1">
-            <a:schemeClr val="accent2"/>
-          </a:effectRef>
-          <a:fontRef idx="minor">
-            <a:schemeClr val="dk1"/>
-          </a:fontRef>
-        </p:style>
-      </p:cxnSp>
-      <p:cxnSp>
-        <p:nvCxnSpPr>
-          <p:cNvPr id="90" name="Elbow Connector 63"/>
-          <p:cNvCxnSpPr>
-            <a:stCxn id="91" idx="3"/>
-          </p:cNvCxnSpPr>
-          <p:nvPr/>
-        </p:nvCxnSpPr>
-        <p:spPr>
-          <a:xfrm rot="5400000">
-            <a:off x="3470636" y="2687353"/>
-            <a:ext cx="293825" cy="5938"/>
-          </a:xfrm>
-          <a:prstGeom prst="bentConnector3">
-            <a:avLst>
-              <a:gd name="adj1" fmla="val 50000"/>
-            </a:avLst>
-          </a:prstGeom>
-          <a:ln w="19050">
-            <a:solidFill>
-              <a:srgbClr val="7030A0"/>
-            </a:solidFill>
-            <a:prstDash val="sysDot"/>
-            <a:headEnd type="none" w="med" len="med"/>
-            <a:tailEnd type="none" w="med" len="med"/>
-          </a:ln>
-          <a:effectLst/>
-        </p:spPr>
-        <p:style>
-          <a:lnRef idx="1">
-            <a:schemeClr val="accent2"/>
-          </a:lnRef>
-          <a:fillRef idx="2">
-            <a:schemeClr val="accent2"/>
-          </a:fillRef>
-          <a:effectRef idx="1">
-            <a:schemeClr val="accent2"/>
-          </a:effectRef>
-          <a:fontRef idx="minor">
-            <a:schemeClr val="dk1"/>
-          </a:fontRef>
-        </p:style>
-      </p:cxnSp>
-      <p:sp>
-        <p:nvSpPr>
-          <p:cNvPr id="91" name="Isosceles Triangle 102"/>
           <p:cNvSpPr/>
           <p:nvPr/>
         </p:nvSpPr>
         <p:spPr>
-          <a:xfrm rot="10800000" flipV="1">
-            <a:off x="3479324" y="2386348"/>
-            <a:ext cx="282387" cy="157062"/>
-          </a:xfrm>
-          <a:prstGeom prst="triangle">
+          <a:xfrm>
+            <a:off x="4698888" y="3674083"/>
+            <a:ext cx="1243502" cy="346760"/>
+          </a:xfrm>
+          <a:prstGeom prst="rect">
             <a:avLst/>
           </a:prstGeom>
           <a:ln w="19050">
@@ -5760,9 +6138,17 @@
           <a:lstStyle/>
           <a:p>
             <a:pPr algn="ctr"/>
-            <a:endParaRPr lang="en-SG" sz="1050" b="1">
+            <a:r>
+              <a:rPr lang="en-US" sz="1050" dirty="0">
+                <a:solidFill>
+                  <a:srgbClr val="7030A0"/>
+                </a:solidFill>
+              </a:rPr>
+              <a:t>WorkoutList</a:t>
+            </a:r>
+            <a:endParaRPr lang="en-SG" sz="1050" dirty="0">
               <a:solidFill>
-                <a:srgbClr val="92D050"/>
+                <a:srgbClr val="7030A0"/>
               </a:solidFill>
             </a:endParaRPr>
           </a:p>
@@ -5770,14 +6156,344 @@
       </p:sp>
       <p:sp>
         <p:nvSpPr>
-          <p:cNvPr id="92" name="Rectangle 8"/>
+          <p:cNvPr id="115" name="Flowchart: Decision 96">
+            <a:extLst>
+              <a:ext uri="{FF2B5EF4-FFF2-40B4-BE49-F238E27FC236}">
+                <a16:creationId xmlns:a16="http://schemas.microsoft.com/office/drawing/2014/main" id="{71099A3C-C588-4DEF-B956-FB76CDFD274E}"/>
+              </a:ext>
+            </a:extLst>
+          </p:cNvPr>
           <p:cNvSpPr/>
           <p:nvPr/>
         </p:nvSpPr>
         <p:spPr>
           <a:xfrm>
-            <a:off x="1177947" y="1998144"/>
-            <a:ext cx="1443661" cy="364396"/>
+            <a:off x="5942390" y="3774677"/>
+            <a:ext cx="236048" cy="173380"/>
+          </a:xfrm>
+          <a:prstGeom prst="flowChartDecision">
+            <a:avLst/>
+          </a:prstGeom>
+          <a:noFill/>
+          <a:ln w="19050">
+            <a:solidFill>
+              <a:srgbClr val="7030A0"/>
+            </a:solidFill>
+          </a:ln>
+          <a:effectLst/>
+        </p:spPr>
+        <p:style>
+          <a:lnRef idx="1">
+            <a:schemeClr val="accent6"/>
+          </a:lnRef>
+          <a:fillRef idx="2">
+            <a:schemeClr val="accent6"/>
+          </a:fillRef>
+          <a:effectRef idx="1">
+            <a:schemeClr val="accent6"/>
+          </a:effectRef>
+          <a:fontRef idx="minor">
+            <a:schemeClr val="dk1"/>
+          </a:fontRef>
+        </p:style>
+        <p:txBody>
+          <a:bodyPr rtlCol="0" anchor="ctr"/>
+          <a:lstStyle/>
+          <a:p>
+            <a:pPr algn="ctr"/>
+            <a:endParaRPr lang="en-US" sz="1050"/>
+          </a:p>
+        </p:txBody>
+      </p:sp>
+      <p:cxnSp>
+        <p:nvCxnSpPr>
+          <p:cNvPr id="116" name="Elbow Connector 63">
+            <a:extLst>
+              <a:ext uri="{FF2B5EF4-FFF2-40B4-BE49-F238E27FC236}">
+                <a16:creationId xmlns:a16="http://schemas.microsoft.com/office/drawing/2014/main" id="{59016A6D-FB13-473D-BA07-5F90D0EB37D1}"/>
+              </a:ext>
+            </a:extLst>
+          </p:cNvPr>
+          <p:cNvCxnSpPr>
+            <a:cxnSpLocks/>
+            <a:stCxn id="115" idx="3"/>
+            <a:endCxn id="62" idx="2"/>
+          </p:cNvCxnSpPr>
+          <p:nvPr/>
+        </p:nvCxnSpPr>
+        <p:spPr>
+          <a:xfrm flipV="1">
+            <a:off x="6178438" y="2107316"/>
+            <a:ext cx="498925" cy="1754051"/>
+          </a:xfrm>
+          <a:prstGeom prst="bentConnector2">
+            <a:avLst/>
+          </a:prstGeom>
+          <a:ln w="19050">
+            <a:solidFill>
+              <a:srgbClr val="7030A0"/>
+            </a:solidFill>
+            <a:headEnd type="none" w="med" len="med"/>
+            <a:tailEnd type="arrow" w="med" len="med"/>
+          </a:ln>
+          <a:effectLst/>
+        </p:spPr>
+        <p:style>
+          <a:lnRef idx="1">
+            <a:schemeClr val="accent2"/>
+          </a:lnRef>
+          <a:fillRef idx="2">
+            <a:schemeClr val="accent2"/>
+          </a:fillRef>
+          <a:effectRef idx="1">
+            <a:schemeClr val="accent2"/>
+          </a:effectRef>
+          <a:fontRef idx="minor">
+            <a:schemeClr val="dk1"/>
+          </a:fontRef>
+        </p:style>
+      </p:cxnSp>
+      <p:sp>
+        <p:nvSpPr>
+          <p:cNvPr id="117" name="TextBox 116">
+            <a:extLst>
+              <a:ext uri="{FF2B5EF4-FFF2-40B4-BE49-F238E27FC236}">
+                <a16:creationId xmlns:a16="http://schemas.microsoft.com/office/drawing/2014/main" id="{425A7C47-9125-46CA-8411-0829B87AB2F6}"/>
+              </a:ext>
+            </a:extLst>
+          </p:cNvPr>
+          <p:cNvSpPr txBox="1"/>
+          <p:nvPr/>
+        </p:nvSpPr>
+        <p:spPr>
+          <a:xfrm>
+            <a:off x="4436217" y="3944480"/>
+            <a:ext cx="189257" cy="178683"/>
+          </a:xfrm>
+          <a:prstGeom prst="rect">
+            <a:avLst/>
+          </a:prstGeom>
+          <a:noFill/>
+        </p:spPr>
+        <p:txBody>
+          <a:bodyPr wrap="square" lIns="0" tIns="0" rIns="0" bIns="0" rtlCol="0">
+            <a:noAutofit/>
+          </a:bodyPr>
+          <a:lstStyle/>
+          <a:p>
+            <a:pPr algn="ctr"/>
+            <a:r>
+              <a:rPr lang="en-US" sz="1100">
+                <a:solidFill>
+                  <a:srgbClr val="7030A0"/>
+                </a:solidFill>
+              </a:rPr>
+              <a:t>1</a:t>
+            </a:r>
+            <a:endParaRPr lang="en-SG" sz="1100" dirty="0">
+              <a:solidFill>
+                <a:srgbClr val="7030A0"/>
+              </a:solidFill>
+            </a:endParaRPr>
+          </a:p>
+        </p:txBody>
+      </p:sp>
+      <p:sp>
+        <p:nvSpPr>
+          <p:cNvPr id="121" name="TextBox 120">
+            <a:extLst>
+              <a:ext uri="{FF2B5EF4-FFF2-40B4-BE49-F238E27FC236}">
+                <a16:creationId xmlns:a16="http://schemas.microsoft.com/office/drawing/2014/main" id="{6C69BD56-7CFF-443C-B6E8-EC599392D9E7}"/>
+              </a:ext>
+            </a:extLst>
+          </p:cNvPr>
+          <p:cNvSpPr txBox="1"/>
+          <p:nvPr/>
+        </p:nvSpPr>
+        <p:spPr>
+          <a:xfrm>
+            <a:off x="6730684" y="2209939"/>
+            <a:ext cx="132762" cy="168250"/>
+          </a:xfrm>
+          <a:prstGeom prst="rect">
+            <a:avLst/>
+          </a:prstGeom>
+          <a:noFill/>
+        </p:spPr>
+        <p:txBody>
+          <a:bodyPr wrap="square" lIns="0" tIns="0" rIns="0" bIns="0" rtlCol="0">
+            <a:noAutofit/>
+          </a:bodyPr>
+          <a:lstStyle/>
+          <a:p>
+            <a:pPr algn="ctr"/>
+            <a:r>
+              <a:rPr lang="en-US" sz="1100" dirty="0">
+                <a:solidFill>
+                  <a:srgbClr val="7030A0"/>
+                </a:solidFill>
+              </a:rPr>
+              <a:t>*</a:t>
+            </a:r>
+            <a:endParaRPr lang="en-SG" sz="1100" dirty="0">
+              <a:solidFill>
+                <a:srgbClr val="7030A0"/>
+              </a:solidFill>
+            </a:endParaRPr>
+          </a:p>
+        </p:txBody>
+      </p:sp>
+      <p:sp>
+        <p:nvSpPr>
+          <p:cNvPr id="123" name="TextBox 122">
+            <a:extLst>
+              <a:ext uri="{FF2B5EF4-FFF2-40B4-BE49-F238E27FC236}">
+                <a16:creationId xmlns:a16="http://schemas.microsoft.com/office/drawing/2014/main" id="{76F28128-701B-44BC-9984-1F9AEB6FC162}"/>
+              </a:ext>
+            </a:extLst>
+          </p:cNvPr>
+          <p:cNvSpPr txBox="1"/>
+          <p:nvPr/>
+        </p:nvSpPr>
+        <p:spPr>
+          <a:xfrm>
+            <a:off x="2579632" y="3589716"/>
+            <a:ext cx="170110" cy="137542"/>
+          </a:xfrm>
+          <a:prstGeom prst="rect">
+            <a:avLst/>
+          </a:prstGeom>
+          <a:noFill/>
+        </p:spPr>
+        <p:txBody>
+          <a:bodyPr wrap="square" lIns="0" tIns="0" rIns="0" bIns="0" rtlCol="0">
+            <a:noAutofit/>
+          </a:bodyPr>
+          <a:lstStyle/>
+          <a:p>
+            <a:pPr algn="ctr"/>
+            <a:r>
+              <a:rPr lang="en-US" sz="1100">
+                <a:solidFill>
+                  <a:srgbClr val="7030A0"/>
+                </a:solidFill>
+              </a:rPr>
+              <a:t>1</a:t>
+            </a:r>
+            <a:endParaRPr lang="en-SG" sz="1100" dirty="0">
+              <a:solidFill>
+                <a:srgbClr val="7030A0"/>
+              </a:solidFill>
+            </a:endParaRPr>
+          </a:p>
+        </p:txBody>
+      </p:sp>
+      <p:sp>
+        <p:nvSpPr>
+          <p:cNvPr id="125" name="TextBox 124">
+            <a:extLst>
+              <a:ext uri="{FF2B5EF4-FFF2-40B4-BE49-F238E27FC236}">
+                <a16:creationId xmlns:a16="http://schemas.microsoft.com/office/drawing/2014/main" id="{FFE028FB-6C79-4E05-8A9C-A8897271B8D4}"/>
+              </a:ext>
+            </a:extLst>
+          </p:cNvPr>
+          <p:cNvSpPr txBox="1"/>
+          <p:nvPr/>
+        </p:nvSpPr>
+        <p:spPr>
+          <a:xfrm>
+            <a:off x="7021743" y="2166874"/>
+            <a:ext cx="189257" cy="178683"/>
+          </a:xfrm>
+          <a:prstGeom prst="rect">
+            <a:avLst/>
+          </a:prstGeom>
+          <a:noFill/>
+        </p:spPr>
+        <p:txBody>
+          <a:bodyPr wrap="square" lIns="0" tIns="0" rIns="0" bIns="0" rtlCol="0">
+            <a:noAutofit/>
+          </a:bodyPr>
+          <a:lstStyle/>
+          <a:p>
+            <a:pPr algn="ctr"/>
+            <a:r>
+              <a:rPr lang="en-US" sz="1100" dirty="0">
+                <a:solidFill>
+                  <a:srgbClr val="7030A0"/>
+                </a:solidFill>
+              </a:rPr>
+              <a:t>2</a:t>
+            </a:r>
+            <a:endParaRPr lang="en-SG" sz="1100" dirty="0">
+              <a:solidFill>
+                <a:srgbClr val="7030A0"/>
+              </a:solidFill>
+            </a:endParaRPr>
+          </a:p>
+        </p:txBody>
+      </p:sp>
+      <p:sp>
+        <p:nvSpPr>
+          <p:cNvPr id="129" name="TextBox 128">
+            <a:extLst>
+              <a:ext uri="{FF2B5EF4-FFF2-40B4-BE49-F238E27FC236}">
+                <a16:creationId xmlns:a16="http://schemas.microsoft.com/office/drawing/2014/main" id="{A6A95C3E-ABC9-40D0-8FF2-4F7474B1F9C7}"/>
+              </a:ext>
+            </a:extLst>
+          </p:cNvPr>
+          <p:cNvSpPr txBox="1"/>
+          <p:nvPr/>
+        </p:nvSpPr>
+        <p:spPr>
+          <a:xfrm>
+            <a:off x="6195419" y="4207396"/>
+            <a:ext cx="838200" cy="261610"/>
+          </a:xfrm>
+          <a:prstGeom prst="rect">
+            <a:avLst/>
+          </a:prstGeom>
+          <a:noFill/>
+        </p:spPr>
+        <p:txBody>
+          <a:bodyPr wrap="square" rtlCol="0">
+            <a:spAutoFit/>
+          </a:bodyPr>
+          <a:lstStyle/>
+          <a:p>
+            <a:pPr algn="r"/>
+            <a:r>
+              <a:rPr lang="en-US" sz="1100" dirty="0">
+                <a:solidFill>
+                  <a:srgbClr val="7030A0"/>
+                </a:solidFill>
+              </a:rPr>
+              <a:t>filtered list</a:t>
+            </a:r>
+            <a:endParaRPr lang="en-SG" sz="1100" dirty="0">
+              <a:solidFill>
+                <a:srgbClr val="7030A0"/>
+              </a:solidFill>
+            </a:endParaRPr>
+          </a:p>
+        </p:txBody>
+      </p:sp>
+      <p:sp>
+        <p:nvSpPr>
+          <p:cNvPr id="138" name="Rectangle 8">
+            <a:extLst>
+              <a:ext uri="{FF2B5EF4-FFF2-40B4-BE49-F238E27FC236}">
+                <a16:creationId xmlns:a16="http://schemas.microsoft.com/office/drawing/2014/main" id="{7A4E5215-B4BC-44CC-8E93-373C699A4E94}"/>
+              </a:ext>
+            </a:extLst>
+          </p:cNvPr>
+          <p:cNvSpPr/>
+          <p:nvPr/>
+        </p:nvSpPr>
+        <p:spPr>
+          <a:xfrm>
+            <a:off x="2829647" y="4585200"/>
+            <a:ext cx="1804409" cy="334856"/>
           </a:xfrm>
           <a:prstGeom prst="rect">
             <a:avLst/>
@@ -5814,22 +6530,7 @@
                   <a:srgbClr val="7030A0"/>
                 </a:solidFill>
               </a:rPr>
-              <a:t>&lt;&lt;interface&gt;&gt;</a:t>
-            </a:r>
-            <a:br>
-              <a:rPr lang="en-US" sz="1050" dirty="0">
-                <a:solidFill>
-                  <a:srgbClr val="7030A0"/>
-                </a:solidFill>
-              </a:rPr>
-            </a:br>
-            <a:r>
-              <a:rPr lang="en-US" sz="1050" dirty="0" err="1">
-                <a:solidFill>
-                  <a:srgbClr val="7030A0"/>
-                </a:solidFill>
-              </a:rPr>
-              <a:t>ReadOnlyAddressBook</a:t>
+              <a:t>VersionedTrackedDataList</a:t>
             </a:r>
             <a:endParaRPr lang="en-SG" sz="1050" dirty="0">
               <a:solidFill>
@@ -5839,16 +6540,121 @@
           </a:p>
         </p:txBody>
       </p:sp>
-      <p:sp>
-        <p:nvSpPr>
-          <p:cNvPr id="93" name="Rectangle 8"/>
+      <p:cxnSp>
+        <p:nvCxnSpPr>
+          <p:cNvPr id="139" name="Straight Arrow Connector 138">
+            <a:extLst>
+              <a:ext uri="{FF2B5EF4-FFF2-40B4-BE49-F238E27FC236}">
+                <a16:creationId xmlns:a16="http://schemas.microsoft.com/office/drawing/2014/main" id="{6A2D959E-095C-4419-8DF4-2CFAC45253C7}"/>
+              </a:ext>
+            </a:extLst>
+          </p:cNvPr>
+          <p:cNvCxnSpPr>
+            <a:cxnSpLocks/>
+            <a:stCxn id="140" idx="3"/>
+            <a:endCxn id="138" idx="1"/>
+          </p:cNvCxnSpPr>
+          <p:nvPr/>
+        </p:nvCxnSpPr>
+        <p:spPr>
+          <a:xfrm>
+            <a:off x="2628728" y="4742071"/>
+            <a:ext cx="200919" cy="10557"/>
+          </a:xfrm>
+          <a:prstGeom prst="straightConnector1">
+            <a:avLst/>
+          </a:prstGeom>
+          <a:ln w="19050">
+            <a:solidFill>
+              <a:srgbClr val="7030A0"/>
+            </a:solidFill>
+            <a:headEnd type="none" w="med" len="med"/>
+            <a:tailEnd type="arrow" w="med" len="med"/>
+          </a:ln>
+          <a:effectLst/>
+        </p:spPr>
+        <p:style>
+          <a:lnRef idx="1">
+            <a:schemeClr val="accent2"/>
+          </a:lnRef>
+          <a:fillRef idx="2">
+            <a:schemeClr val="accent2"/>
+          </a:fillRef>
+          <a:effectRef idx="1">
+            <a:schemeClr val="accent2"/>
+          </a:effectRef>
+          <a:fontRef idx="minor">
+            <a:schemeClr val="dk1"/>
+          </a:fontRef>
+        </p:style>
+      </p:cxnSp>
+      <p:sp>
+        <p:nvSpPr>
+          <p:cNvPr id="140" name="Flowchart: Decision 96">
+            <a:extLst>
+              <a:ext uri="{FF2B5EF4-FFF2-40B4-BE49-F238E27FC236}">
+                <a16:creationId xmlns:a16="http://schemas.microsoft.com/office/drawing/2014/main" id="{84CFAB3B-B975-47A7-9B68-09A4F83B9393}"/>
+              </a:ext>
+            </a:extLst>
+          </p:cNvPr>
           <p:cNvSpPr/>
           <p:nvPr/>
         </p:nvSpPr>
         <p:spPr>
           <a:xfrm>
-            <a:off x="3087206" y="1998144"/>
-            <a:ext cx="1060683" cy="364396"/>
+            <a:off x="2392680" y="4655381"/>
+            <a:ext cx="236048" cy="173380"/>
+          </a:xfrm>
+          <a:prstGeom prst="flowChartDecision">
+            <a:avLst/>
+          </a:prstGeom>
+          <a:noFill/>
+          <a:ln w="19050">
+            <a:solidFill>
+              <a:srgbClr val="7030A0"/>
+            </a:solidFill>
+          </a:ln>
+          <a:effectLst/>
+        </p:spPr>
+        <p:style>
+          <a:lnRef idx="1">
+            <a:schemeClr val="accent6"/>
+          </a:lnRef>
+          <a:fillRef idx="2">
+            <a:schemeClr val="accent6"/>
+          </a:fillRef>
+          <a:effectRef idx="1">
+            <a:schemeClr val="accent6"/>
+          </a:effectRef>
+          <a:fontRef idx="minor">
+            <a:schemeClr val="dk1"/>
+          </a:fontRef>
+        </p:style>
+        <p:txBody>
+          <a:bodyPr rtlCol="0" anchor="ctr"/>
+          <a:lstStyle/>
+          <a:p>
+            <a:pPr algn="ctr"/>
+            <a:endParaRPr lang="en-US" sz="1050"/>
+          </a:p>
+        </p:txBody>
+      </p:sp>
+      <p:sp>
+        <p:nvSpPr>
+          <p:cNvPr id="141" name="Rectangle 8">
+            <a:extLst>
+              <a:ext uri="{FF2B5EF4-FFF2-40B4-BE49-F238E27FC236}">
+                <a16:creationId xmlns:a16="http://schemas.microsoft.com/office/drawing/2014/main" id="{98EF6B35-386F-48B5-86ED-ADD4A81D0E76}"/>
+              </a:ext>
+            </a:extLst>
+          </p:cNvPr>
+          <p:cNvSpPr/>
+          <p:nvPr/>
+        </p:nvSpPr>
+        <p:spPr>
+          <a:xfrm>
+            <a:off x="5018013" y="4585200"/>
+            <a:ext cx="1380611" cy="346760"/>
           </a:xfrm>
           <a:prstGeom prst="rect">
             <a:avLst/>
@@ -5880,12 +6686,20 @@
           <a:p>
             <a:pPr algn="ctr"/>
             <a:r>
-              <a:rPr lang="en-US" sz="1050" dirty="0" err="1">
+              <a:rPr lang="en-GB" sz="1050" dirty="0">
                 <a:solidFill>
                   <a:srgbClr val="7030A0"/>
                 </a:solidFill>
               </a:rPr>
-              <a:t>AddressBook</a:t>
+              <a:t>U</a:t>
+            </a:r>
+            <a:r>
+              <a:rPr lang="en-US" sz="1050" dirty="0">
+                <a:solidFill>
+                  <a:srgbClr val="7030A0"/>
+                </a:solidFill>
+              </a:rPr>
+              <a:t>niqueParameterList</a:t>
             </a:r>
             <a:endParaRPr lang="en-SG" sz="1050" dirty="0">
               <a:solidFill>
@@ -5897,26 +6711,25 @@
       </p:sp>
       <p:sp>
         <p:nvSpPr>
-          <p:cNvPr id="94" name="Isosceles Triangle 102"/>
+          <p:cNvPr id="142" name="Flowchart: Decision 96">
+            <a:extLst>
+              <a:ext uri="{FF2B5EF4-FFF2-40B4-BE49-F238E27FC236}">
+                <a16:creationId xmlns:a16="http://schemas.microsoft.com/office/drawing/2014/main" id="{80E21544-EE31-412E-9F32-81FD8D755855}"/>
+              </a:ext>
+            </a:extLst>
+          </p:cNvPr>
           <p:cNvSpPr/>
           <p:nvPr/>
         </p:nvSpPr>
         <p:spPr>
-          <a:xfrm rot="16200000">
-            <a:off x="2586098" y="2068952"/>
-            <a:ext cx="271014" cy="187417"/>
-          </a:xfrm>
-          <a:prstGeom prst="triangle">
-            <a:avLst>
-              <a:gd name="adj" fmla="val 44517"/>
-            </a:avLst>
-          </a:prstGeom>
-          <a:solidFill>
-            <a:schemeClr val="accent4">
-              <a:lumMod val="20000"/>
-              <a:lumOff val="80000"/>
-            </a:schemeClr>
-          </a:solidFill>
+          <a:xfrm>
+            <a:off x="6400646" y="4677137"/>
+            <a:ext cx="243840" cy="173380"/>
+          </a:xfrm>
+          <a:prstGeom prst="flowChartDecision">
+            <a:avLst/>
+          </a:prstGeom>
+          <a:noFill/>
           <a:ln w="19050">
             <a:solidFill>
               <a:srgbClr val="7030A0"/>
@@ -5943,36 +6756,40 @@
           <a:lstStyle/>
           <a:p>
             <a:pPr algn="ctr"/>
-            <a:endParaRPr lang="en-SG" sz="1050"/>
+            <a:endParaRPr lang="en-US" sz="1050"/>
           </a:p>
         </p:txBody>
       </p:sp>
       <p:cxnSp>
         <p:nvCxnSpPr>
-          <p:cNvPr id="95" name="Elbow Connector 63"/>
+          <p:cNvPr id="143" name="Elbow Connector 63">
+            <a:extLst>
+              <a:ext uri="{FF2B5EF4-FFF2-40B4-BE49-F238E27FC236}">
+                <a16:creationId xmlns:a16="http://schemas.microsoft.com/office/drawing/2014/main" id="{84395ABA-A90C-4D20-85CE-665DE045828F}"/>
+              </a:ext>
+            </a:extLst>
+          </p:cNvPr>
           <p:cNvCxnSpPr>
-            <a:stCxn id="94" idx="3"/>
-            <a:endCxn id="93" idx="1"/>
+            <a:cxnSpLocks/>
+            <a:stCxn id="142" idx="3"/>
+            <a:endCxn id="149" idx="0"/>
           </p:cNvCxnSpPr>
           <p:nvPr/>
         </p:nvCxnSpPr>
         <p:spPr>
           <a:xfrm>
-            <a:off x="2815314" y="2177521"/>
-            <a:ext cx="271892" cy="2821"/>
-          </a:xfrm>
-          <a:prstGeom prst="bentConnector3">
-            <a:avLst>
-              <a:gd name="adj1" fmla="val 50000"/>
-            </a:avLst>
+            <a:off x="6644486" y="4763827"/>
+            <a:ext cx="328727" cy="219383"/>
+          </a:xfrm>
+          <a:prstGeom prst="bentConnector2">
+            <a:avLst/>
           </a:prstGeom>
           <a:ln w="19050">
             <a:solidFill>
               <a:srgbClr val="7030A0"/>
             </a:solidFill>
-            <a:prstDash val="sysDot"/>
             <a:headEnd type="none" w="med" len="med"/>
-            <a:tailEnd type="none" w="med" len="med"/>
+            <a:tailEnd type="arrow" w="med" len="med"/>
           </a:ln>
           <a:effectLst/>
         </p:spPr>
@@ -5991,6 +6808,1218 @@
           </a:fontRef>
         </p:style>
       </p:cxnSp>
+      <p:sp>
+        <p:nvSpPr>
+          <p:cNvPr id="144" name="TextBox 143">
+            <a:extLst>
+              <a:ext uri="{FF2B5EF4-FFF2-40B4-BE49-F238E27FC236}">
+                <a16:creationId xmlns:a16="http://schemas.microsoft.com/office/drawing/2014/main" id="{E1E605EF-B5EB-465F-BFD4-E1529CE78B23}"/>
+              </a:ext>
+            </a:extLst>
+          </p:cNvPr>
+          <p:cNvSpPr txBox="1"/>
+          <p:nvPr/>
+        </p:nvSpPr>
+        <p:spPr>
+          <a:xfrm>
+            <a:off x="4755343" y="4850517"/>
+            <a:ext cx="189257" cy="178683"/>
+          </a:xfrm>
+          <a:prstGeom prst="rect">
+            <a:avLst/>
+          </a:prstGeom>
+          <a:noFill/>
+        </p:spPr>
+        <p:txBody>
+          <a:bodyPr wrap="square" lIns="0" tIns="0" rIns="0" bIns="0" rtlCol="0">
+            <a:noAutofit/>
+          </a:bodyPr>
+          <a:lstStyle/>
+          <a:p>
+            <a:pPr algn="ctr"/>
+            <a:r>
+              <a:rPr lang="en-US" sz="1100" dirty="0">
+                <a:solidFill>
+                  <a:srgbClr val="7030A0"/>
+                </a:solidFill>
+              </a:rPr>
+              <a:t>1</a:t>
+            </a:r>
+            <a:endParaRPr lang="en-SG" sz="1100" dirty="0">
+              <a:solidFill>
+                <a:srgbClr val="7030A0"/>
+              </a:solidFill>
+            </a:endParaRPr>
+          </a:p>
+        </p:txBody>
+      </p:sp>
+      <p:sp>
+        <p:nvSpPr>
+          <p:cNvPr id="145" name="TextBox 144">
+            <a:extLst>
+              <a:ext uri="{FF2B5EF4-FFF2-40B4-BE49-F238E27FC236}">
+                <a16:creationId xmlns:a16="http://schemas.microsoft.com/office/drawing/2014/main" id="{89ABABB5-C646-40F8-B92A-30E3CD249103}"/>
+              </a:ext>
+            </a:extLst>
+          </p:cNvPr>
+          <p:cNvSpPr txBox="1"/>
+          <p:nvPr/>
+        </p:nvSpPr>
+        <p:spPr>
+          <a:xfrm>
+            <a:off x="2577762" y="4495753"/>
+            <a:ext cx="170110" cy="137542"/>
+          </a:xfrm>
+          <a:prstGeom prst="rect">
+            <a:avLst/>
+          </a:prstGeom>
+          <a:noFill/>
+        </p:spPr>
+        <p:txBody>
+          <a:bodyPr wrap="square" lIns="0" tIns="0" rIns="0" bIns="0" rtlCol="0">
+            <a:noAutofit/>
+          </a:bodyPr>
+          <a:lstStyle/>
+          <a:p>
+            <a:pPr algn="ctr"/>
+            <a:r>
+              <a:rPr lang="en-US" sz="1100">
+                <a:solidFill>
+                  <a:srgbClr val="7030A0"/>
+                </a:solidFill>
+              </a:rPr>
+              <a:t>1</a:t>
+            </a:r>
+            <a:endParaRPr lang="en-SG" sz="1100" dirty="0">
+              <a:solidFill>
+                <a:srgbClr val="7030A0"/>
+              </a:solidFill>
+            </a:endParaRPr>
+          </a:p>
+        </p:txBody>
+      </p:sp>
+      <p:sp>
+        <p:nvSpPr>
+          <p:cNvPr id="149" name="Rectangle 8">
+            <a:extLst>
+              <a:ext uri="{FF2B5EF4-FFF2-40B4-BE49-F238E27FC236}">
+                <a16:creationId xmlns:a16="http://schemas.microsoft.com/office/drawing/2014/main" id="{521BC98D-F43F-48AC-B091-801CB918327F}"/>
+              </a:ext>
+            </a:extLst>
+          </p:cNvPr>
+          <p:cNvSpPr/>
+          <p:nvPr/>
+        </p:nvSpPr>
+        <p:spPr>
+          <a:xfrm>
+            <a:off x="6516415" y="4983210"/>
+            <a:ext cx="913595" cy="346760"/>
+          </a:xfrm>
+          <a:prstGeom prst="rect">
+            <a:avLst/>
+          </a:prstGeom>
+          <a:ln w="19050">
+            <a:solidFill>
+              <a:srgbClr val="7030A0"/>
+            </a:solidFill>
+          </a:ln>
+          <a:effectLst/>
+        </p:spPr>
+        <p:style>
+          <a:lnRef idx="1">
+            <a:schemeClr val="accent4"/>
+          </a:lnRef>
+          <a:fillRef idx="2">
+            <a:schemeClr val="accent4"/>
+          </a:fillRef>
+          <a:effectRef idx="1">
+            <a:schemeClr val="accent4"/>
+          </a:effectRef>
+          <a:fontRef idx="minor">
+            <a:schemeClr val="dk1"/>
+          </a:fontRef>
+        </p:style>
+        <p:txBody>
+          <a:bodyPr rtlCol="0" anchor="ctr"/>
+          <a:lstStyle/>
+          <a:p>
+            <a:pPr algn="ctr"/>
+            <a:r>
+              <a:rPr lang="en-US" sz="1050" dirty="0">
+                <a:solidFill>
+                  <a:srgbClr val="7030A0"/>
+                </a:solidFill>
+              </a:rPr>
+              <a:t>Parameter</a:t>
+            </a:r>
+            <a:endParaRPr lang="en-SG" sz="1050" dirty="0">
+              <a:solidFill>
+                <a:srgbClr val="7030A0"/>
+              </a:solidFill>
+            </a:endParaRPr>
+          </a:p>
+        </p:txBody>
+      </p:sp>
+      <p:sp>
+        <p:nvSpPr>
+          <p:cNvPr id="154" name="TextBox 153">
+            <a:extLst>
+              <a:ext uri="{FF2B5EF4-FFF2-40B4-BE49-F238E27FC236}">
+                <a16:creationId xmlns:a16="http://schemas.microsoft.com/office/drawing/2014/main" id="{73348206-3921-4B85-81CA-76302B07CBC6}"/>
+              </a:ext>
+            </a:extLst>
+          </p:cNvPr>
+          <p:cNvSpPr txBox="1"/>
+          <p:nvPr/>
+        </p:nvSpPr>
+        <p:spPr>
+          <a:xfrm>
+            <a:off x="6988766" y="4793114"/>
+            <a:ext cx="189257" cy="178683"/>
+          </a:xfrm>
+          <a:prstGeom prst="rect">
+            <a:avLst/>
+          </a:prstGeom>
+          <a:noFill/>
+        </p:spPr>
+        <p:txBody>
+          <a:bodyPr wrap="square" lIns="0" tIns="0" rIns="0" bIns="0" rtlCol="0">
+            <a:noAutofit/>
+          </a:bodyPr>
+          <a:lstStyle/>
+          <a:p>
+            <a:pPr algn="ctr"/>
+            <a:r>
+              <a:rPr lang="en-US" sz="1100" dirty="0">
+                <a:solidFill>
+                  <a:srgbClr val="7030A0"/>
+                </a:solidFill>
+              </a:rPr>
+              <a:t>*</a:t>
+            </a:r>
+            <a:endParaRPr lang="en-SG" sz="1100" dirty="0">
+              <a:solidFill>
+                <a:srgbClr val="7030A0"/>
+              </a:solidFill>
+            </a:endParaRPr>
+          </a:p>
+        </p:txBody>
+      </p:sp>
+      <p:sp>
+        <p:nvSpPr>
+          <p:cNvPr id="163" name="Flowchart: Decision 96">
+            <a:extLst>
+              <a:ext uri="{FF2B5EF4-FFF2-40B4-BE49-F238E27FC236}">
+                <a16:creationId xmlns:a16="http://schemas.microsoft.com/office/drawing/2014/main" id="{75730A5E-1277-4759-8387-BE4FE6F79F9D}"/>
+              </a:ext>
+            </a:extLst>
+          </p:cNvPr>
+          <p:cNvSpPr/>
+          <p:nvPr/>
+        </p:nvSpPr>
+        <p:spPr>
+          <a:xfrm>
+            <a:off x="4328092" y="3768517"/>
+            <a:ext cx="236048" cy="173380"/>
+          </a:xfrm>
+          <a:prstGeom prst="flowChartDecision">
+            <a:avLst/>
+          </a:prstGeom>
+          <a:solidFill>
+            <a:srgbClr val="7030A0"/>
+          </a:solidFill>
+          <a:ln w="19050">
+            <a:solidFill>
+              <a:srgbClr val="7030A0"/>
+            </a:solidFill>
+          </a:ln>
+          <a:effectLst/>
+        </p:spPr>
+        <p:style>
+          <a:lnRef idx="1">
+            <a:schemeClr val="accent6"/>
+          </a:lnRef>
+          <a:fillRef idx="2">
+            <a:schemeClr val="accent6"/>
+          </a:fillRef>
+          <a:effectRef idx="1">
+            <a:schemeClr val="accent6"/>
+          </a:effectRef>
+          <a:fontRef idx="minor">
+            <a:schemeClr val="dk1"/>
+          </a:fontRef>
+        </p:style>
+        <p:txBody>
+          <a:bodyPr rtlCol="0" anchor="ctr"/>
+          <a:lstStyle/>
+          <a:p>
+            <a:pPr algn="ctr"/>
+            <a:endParaRPr lang="en-US" sz="1050"/>
+          </a:p>
+        </p:txBody>
+      </p:sp>
+      <p:cxnSp>
+        <p:nvCxnSpPr>
+          <p:cNvPr id="164" name="Straight Arrow Connector 163">
+            <a:extLst>
+              <a:ext uri="{FF2B5EF4-FFF2-40B4-BE49-F238E27FC236}">
+                <a16:creationId xmlns:a16="http://schemas.microsoft.com/office/drawing/2014/main" id="{AC6F6832-6329-47C2-B08A-BBB5E0AE2BDD}"/>
+              </a:ext>
+            </a:extLst>
+          </p:cNvPr>
+          <p:cNvCxnSpPr>
+            <a:cxnSpLocks/>
+            <a:stCxn id="163" idx="1"/>
+          </p:cNvCxnSpPr>
+          <p:nvPr/>
+        </p:nvCxnSpPr>
+        <p:spPr>
+          <a:xfrm>
+            <a:off x="4328092" y="3855207"/>
+            <a:ext cx="367678" cy="12320"/>
+          </a:xfrm>
+          <a:prstGeom prst="straightConnector1">
+            <a:avLst/>
+          </a:prstGeom>
+          <a:ln w="19050">
+            <a:solidFill>
+              <a:srgbClr val="7030A0"/>
+            </a:solidFill>
+            <a:headEnd type="none" w="med" len="med"/>
+            <a:tailEnd type="arrow" w="med" len="med"/>
+          </a:ln>
+          <a:effectLst/>
+        </p:spPr>
+        <p:style>
+          <a:lnRef idx="1">
+            <a:schemeClr val="accent2"/>
+          </a:lnRef>
+          <a:fillRef idx="2">
+            <a:schemeClr val="accent2"/>
+          </a:fillRef>
+          <a:effectRef idx="1">
+            <a:schemeClr val="accent2"/>
+          </a:effectRef>
+          <a:fontRef idx="minor">
+            <a:schemeClr val="dk1"/>
+          </a:fontRef>
+        </p:style>
+      </p:cxnSp>
+      <p:sp>
+        <p:nvSpPr>
+          <p:cNvPr id="165" name="Flowchart: Decision 96">
+            <a:extLst>
+              <a:ext uri="{FF2B5EF4-FFF2-40B4-BE49-F238E27FC236}">
+                <a16:creationId xmlns:a16="http://schemas.microsoft.com/office/drawing/2014/main" id="{42E13C82-4D92-4BA7-9350-6A42CA535001}"/>
+              </a:ext>
+            </a:extLst>
+          </p:cNvPr>
+          <p:cNvSpPr/>
+          <p:nvPr/>
+        </p:nvSpPr>
+        <p:spPr>
+          <a:xfrm>
+            <a:off x="4649610" y="4670977"/>
+            <a:ext cx="236048" cy="173380"/>
+          </a:xfrm>
+          <a:prstGeom prst="flowChartDecision">
+            <a:avLst/>
+          </a:prstGeom>
+          <a:solidFill>
+            <a:srgbClr val="7030A0"/>
+          </a:solidFill>
+          <a:ln w="19050">
+            <a:solidFill>
+              <a:srgbClr val="7030A0"/>
+            </a:solidFill>
+          </a:ln>
+          <a:effectLst/>
+        </p:spPr>
+        <p:style>
+          <a:lnRef idx="1">
+            <a:schemeClr val="accent6"/>
+          </a:lnRef>
+          <a:fillRef idx="2">
+            <a:schemeClr val="accent6"/>
+          </a:fillRef>
+          <a:effectRef idx="1">
+            <a:schemeClr val="accent6"/>
+          </a:effectRef>
+          <a:fontRef idx="minor">
+            <a:schemeClr val="dk1"/>
+          </a:fontRef>
+        </p:style>
+        <p:txBody>
+          <a:bodyPr rtlCol="0" anchor="ctr"/>
+          <a:lstStyle/>
+          <a:p>
+            <a:pPr algn="ctr"/>
+            <a:endParaRPr lang="en-US" sz="1050"/>
+          </a:p>
+        </p:txBody>
+      </p:sp>
+      <p:cxnSp>
+        <p:nvCxnSpPr>
+          <p:cNvPr id="166" name="Straight Arrow Connector 165">
+            <a:extLst>
+              <a:ext uri="{FF2B5EF4-FFF2-40B4-BE49-F238E27FC236}">
+                <a16:creationId xmlns:a16="http://schemas.microsoft.com/office/drawing/2014/main" id="{13E5D75A-8020-425B-80DC-63D1F9D519D7}"/>
+              </a:ext>
+            </a:extLst>
+          </p:cNvPr>
+          <p:cNvCxnSpPr>
+            <a:cxnSpLocks/>
+            <a:stCxn id="165" idx="1"/>
+          </p:cNvCxnSpPr>
+          <p:nvPr/>
+        </p:nvCxnSpPr>
+        <p:spPr>
+          <a:xfrm>
+            <a:off x="4649610" y="4757667"/>
+            <a:ext cx="367678" cy="12320"/>
+          </a:xfrm>
+          <a:prstGeom prst="straightConnector1">
+            <a:avLst/>
+          </a:prstGeom>
+          <a:ln w="19050">
+            <a:solidFill>
+              <a:srgbClr val="7030A0"/>
+            </a:solidFill>
+            <a:headEnd type="none" w="med" len="med"/>
+            <a:tailEnd type="arrow" w="med" len="med"/>
+          </a:ln>
+          <a:effectLst/>
+        </p:spPr>
+        <p:style>
+          <a:lnRef idx="1">
+            <a:schemeClr val="accent2"/>
+          </a:lnRef>
+          <a:fillRef idx="2">
+            <a:schemeClr val="accent2"/>
+          </a:fillRef>
+          <a:effectRef idx="1">
+            <a:schemeClr val="accent2"/>
+          </a:effectRef>
+          <a:fontRef idx="minor">
+            <a:schemeClr val="dk1"/>
+          </a:fontRef>
+        </p:style>
+      </p:cxnSp>
+      <p:sp>
+        <p:nvSpPr>
+          <p:cNvPr id="167" name="Flowchart: Decision 96">
+            <a:extLst>
+              <a:ext uri="{FF2B5EF4-FFF2-40B4-BE49-F238E27FC236}">
+                <a16:creationId xmlns:a16="http://schemas.microsoft.com/office/drawing/2014/main" id="{47C7AE77-43B6-4522-902F-80631C9166D1}"/>
+              </a:ext>
+            </a:extLst>
+          </p:cNvPr>
+          <p:cNvSpPr/>
+          <p:nvPr/>
+        </p:nvSpPr>
+        <p:spPr>
+          <a:xfrm>
+            <a:off x="6855188" y="5340719"/>
+            <a:ext cx="236048" cy="229379"/>
+          </a:xfrm>
+          <a:prstGeom prst="flowChartDecision">
+            <a:avLst/>
+          </a:prstGeom>
+          <a:solidFill>
+            <a:srgbClr val="7030A0"/>
+          </a:solidFill>
+          <a:ln w="19050">
+            <a:solidFill>
+              <a:srgbClr val="7030A0"/>
+            </a:solidFill>
+          </a:ln>
+          <a:effectLst/>
+        </p:spPr>
+        <p:style>
+          <a:lnRef idx="1">
+            <a:schemeClr val="accent6"/>
+          </a:lnRef>
+          <a:fillRef idx="2">
+            <a:schemeClr val="accent6"/>
+          </a:fillRef>
+          <a:effectRef idx="1">
+            <a:schemeClr val="accent6"/>
+          </a:effectRef>
+          <a:fontRef idx="minor">
+            <a:schemeClr val="dk1"/>
+          </a:fontRef>
+        </p:style>
+        <p:txBody>
+          <a:bodyPr rtlCol="0" anchor="ctr"/>
+          <a:lstStyle/>
+          <a:p>
+            <a:pPr algn="ctr"/>
+            <a:endParaRPr lang="en-US" sz="1050"/>
+          </a:p>
+        </p:txBody>
+      </p:sp>
+      <p:cxnSp>
+        <p:nvCxnSpPr>
+          <p:cNvPr id="168" name="Elbow Connector 83">
+            <a:extLst>
+              <a:ext uri="{FF2B5EF4-FFF2-40B4-BE49-F238E27FC236}">
+                <a16:creationId xmlns:a16="http://schemas.microsoft.com/office/drawing/2014/main" id="{AEBF267B-00E1-483D-8439-878967490035}"/>
+              </a:ext>
+            </a:extLst>
+          </p:cNvPr>
+          <p:cNvCxnSpPr>
+            <a:cxnSpLocks/>
+            <a:stCxn id="167" idx="2"/>
+            <a:endCxn id="171" idx="1"/>
+          </p:cNvCxnSpPr>
+          <p:nvPr/>
+        </p:nvCxnSpPr>
+        <p:spPr>
+          <a:xfrm rot="16200000" flipH="1">
+            <a:off x="7302322" y="5240987"/>
+            <a:ext cx="157165" cy="815385"/>
+          </a:xfrm>
+          <a:prstGeom prst="bentConnector2">
+            <a:avLst/>
+          </a:prstGeom>
+          <a:ln w="19050">
+            <a:solidFill>
+              <a:srgbClr val="7030A0"/>
+            </a:solidFill>
+            <a:headEnd type="none" w="med" len="med"/>
+            <a:tailEnd type="arrow" w="med" len="med"/>
+          </a:ln>
+          <a:effectLst/>
+        </p:spPr>
+        <p:style>
+          <a:lnRef idx="1">
+            <a:schemeClr val="accent2"/>
+          </a:lnRef>
+          <a:fillRef idx="2">
+            <a:schemeClr val="accent2"/>
+          </a:fillRef>
+          <a:effectRef idx="1">
+            <a:schemeClr val="accent2"/>
+          </a:effectRef>
+          <a:fontRef idx="minor">
+            <a:schemeClr val="dk1"/>
+          </a:fontRef>
+        </p:style>
+      </p:cxnSp>
+      <p:sp>
+        <p:nvSpPr>
+          <p:cNvPr id="171" name="Rectangle 8">
+            <a:extLst>
+              <a:ext uri="{FF2B5EF4-FFF2-40B4-BE49-F238E27FC236}">
+                <a16:creationId xmlns:a16="http://schemas.microsoft.com/office/drawing/2014/main" id="{C9CA4FCF-FAD0-4735-BFDF-6333058FECF4}"/>
+              </a:ext>
+            </a:extLst>
+          </p:cNvPr>
+          <p:cNvSpPr/>
+          <p:nvPr/>
+        </p:nvSpPr>
+        <p:spPr>
+          <a:xfrm>
+            <a:off x="7788597" y="5584371"/>
+            <a:ext cx="822003" cy="285783"/>
+          </a:xfrm>
+          <a:prstGeom prst="rect">
+            <a:avLst/>
+          </a:prstGeom>
+          <a:ln w="19050">
+            <a:solidFill>
+              <a:srgbClr val="7030A0"/>
+            </a:solidFill>
+          </a:ln>
+          <a:effectLst/>
+        </p:spPr>
+        <p:style>
+          <a:lnRef idx="1">
+            <a:schemeClr val="accent4"/>
+          </a:lnRef>
+          <a:fillRef idx="2">
+            <a:schemeClr val="accent4"/>
+          </a:fillRef>
+          <a:effectRef idx="1">
+            <a:schemeClr val="accent4"/>
+          </a:effectRef>
+          <a:fontRef idx="minor">
+            <a:schemeClr val="dk1"/>
+          </a:fontRef>
+        </p:style>
+        <p:txBody>
+          <a:bodyPr rtlCol="0" anchor="ctr"/>
+          <a:lstStyle/>
+          <a:p>
+            <a:pPr algn="ctr"/>
+            <a:r>
+              <a:rPr lang="en-US" sz="1050" dirty="0">
+                <a:solidFill>
+                  <a:srgbClr val="7030A0"/>
+                </a:solidFill>
+              </a:rPr>
+              <a:t>Prefix</a:t>
+            </a:r>
+            <a:endParaRPr lang="en-SG" sz="1050" dirty="0">
+              <a:solidFill>
+                <a:srgbClr val="7030A0"/>
+              </a:solidFill>
+            </a:endParaRPr>
+          </a:p>
+        </p:txBody>
+      </p:sp>
+      <p:sp>
+        <p:nvSpPr>
+          <p:cNvPr id="178" name="Rectangle 8">
+            <a:extLst>
+              <a:ext uri="{FF2B5EF4-FFF2-40B4-BE49-F238E27FC236}">
+                <a16:creationId xmlns:a16="http://schemas.microsoft.com/office/drawing/2014/main" id="{076B20F6-3734-4B6F-9E69-14112CA0250F}"/>
+              </a:ext>
+            </a:extLst>
+          </p:cNvPr>
+          <p:cNvSpPr/>
+          <p:nvPr/>
+        </p:nvSpPr>
+        <p:spPr>
+          <a:xfrm>
+            <a:off x="4761846" y="2865758"/>
+            <a:ext cx="1156969" cy="285783"/>
+          </a:xfrm>
+          <a:prstGeom prst="rect">
+            <a:avLst/>
+          </a:prstGeom>
+          <a:ln w="19050">
+            <a:solidFill>
+              <a:srgbClr val="7030A0"/>
+            </a:solidFill>
+          </a:ln>
+          <a:effectLst/>
+        </p:spPr>
+        <p:style>
+          <a:lnRef idx="1">
+            <a:schemeClr val="accent4"/>
+          </a:lnRef>
+          <a:fillRef idx="2">
+            <a:schemeClr val="accent4"/>
+          </a:fillRef>
+          <a:effectRef idx="1">
+            <a:schemeClr val="accent4"/>
+          </a:effectRef>
+          <a:fontRef idx="minor">
+            <a:schemeClr val="dk1"/>
+          </a:fontRef>
+        </p:style>
+        <p:txBody>
+          <a:bodyPr rtlCol="0" anchor="ctr"/>
+          <a:lstStyle/>
+          <a:p>
+            <a:pPr algn="ctr"/>
+            <a:r>
+              <a:rPr lang="en-US" sz="1050" dirty="0">
+                <a:solidFill>
+                  <a:srgbClr val="7030A0"/>
+                </a:solidFill>
+              </a:rPr>
+              <a:t>UniqueTagList</a:t>
+            </a:r>
+            <a:endParaRPr lang="en-SG" sz="1050" dirty="0">
+              <a:solidFill>
+                <a:srgbClr val="7030A0"/>
+              </a:solidFill>
+            </a:endParaRPr>
+          </a:p>
+        </p:txBody>
+      </p:sp>
+      <p:cxnSp>
+        <p:nvCxnSpPr>
+          <p:cNvPr id="179" name="Elbow Connector 78">
+            <a:extLst>
+              <a:ext uri="{FF2B5EF4-FFF2-40B4-BE49-F238E27FC236}">
+                <a16:creationId xmlns:a16="http://schemas.microsoft.com/office/drawing/2014/main" id="{1A23857D-1F08-4286-A963-6F6872FD3DBF}"/>
+              </a:ext>
+            </a:extLst>
+          </p:cNvPr>
+          <p:cNvCxnSpPr>
+            <a:cxnSpLocks/>
+            <a:stCxn id="51" idx="3"/>
+            <a:endCxn id="178" idx="1"/>
+          </p:cNvCxnSpPr>
+          <p:nvPr/>
+        </p:nvCxnSpPr>
+        <p:spPr>
+          <a:xfrm>
+            <a:off x="4561020" y="3007222"/>
+            <a:ext cx="200826" cy="1428"/>
+          </a:xfrm>
+          <a:prstGeom prst="bentConnector3">
+            <a:avLst>
+              <a:gd name="adj1" fmla="val 50000"/>
+            </a:avLst>
+          </a:prstGeom>
+          <a:ln w="19050">
+            <a:solidFill>
+              <a:srgbClr val="7030A0"/>
+            </a:solidFill>
+            <a:headEnd type="none" w="med" len="med"/>
+            <a:tailEnd type="arrow" w="med" len="med"/>
+          </a:ln>
+          <a:effectLst/>
+        </p:spPr>
+        <p:style>
+          <a:lnRef idx="1">
+            <a:schemeClr val="accent2"/>
+          </a:lnRef>
+          <a:fillRef idx="2">
+            <a:schemeClr val="accent2"/>
+          </a:fillRef>
+          <a:effectRef idx="1">
+            <a:schemeClr val="accent2"/>
+          </a:effectRef>
+          <a:fontRef idx="minor">
+            <a:schemeClr val="dk1"/>
+          </a:fontRef>
+        </p:style>
+      </p:cxnSp>
+      <p:sp>
+        <p:nvSpPr>
+          <p:cNvPr id="180" name="TextBox 179">
+            <a:extLst>
+              <a:ext uri="{FF2B5EF4-FFF2-40B4-BE49-F238E27FC236}">
+                <a16:creationId xmlns:a16="http://schemas.microsoft.com/office/drawing/2014/main" id="{BC8B0A4E-A7DA-414C-89E3-507E343DC3FE}"/>
+              </a:ext>
+            </a:extLst>
+          </p:cNvPr>
+          <p:cNvSpPr txBox="1"/>
+          <p:nvPr/>
+        </p:nvSpPr>
+        <p:spPr>
+          <a:xfrm>
+            <a:off x="6175864" y="2529420"/>
+            <a:ext cx="189257" cy="178683"/>
+          </a:xfrm>
+          <a:prstGeom prst="rect">
+            <a:avLst/>
+          </a:prstGeom>
+          <a:noFill/>
+        </p:spPr>
+        <p:txBody>
+          <a:bodyPr wrap="square" lIns="0" tIns="0" rIns="0" bIns="0" rtlCol="0">
+            <a:noAutofit/>
+          </a:bodyPr>
+          <a:lstStyle/>
+          <a:p>
+            <a:pPr algn="ctr"/>
+            <a:r>
+              <a:rPr lang="en-US" sz="1100" dirty="0">
+                <a:solidFill>
+                  <a:srgbClr val="7030A0"/>
+                </a:solidFill>
+              </a:rPr>
+              <a:t>*</a:t>
+            </a:r>
+            <a:endParaRPr lang="en-SG" sz="1100" dirty="0">
+              <a:solidFill>
+                <a:srgbClr val="7030A0"/>
+              </a:solidFill>
+            </a:endParaRPr>
+          </a:p>
+        </p:txBody>
+      </p:sp>
+      <p:sp>
+        <p:nvSpPr>
+          <p:cNvPr id="181" name="Flowchart: Decision 96">
+            <a:extLst>
+              <a:ext uri="{FF2B5EF4-FFF2-40B4-BE49-F238E27FC236}">
+                <a16:creationId xmlns:a16="http://schemas.microsoft.com/office/drawing/2014/main" id="{30B1D4F3-C743-41A1-8693-4E96979A7B92}"/>
+              </a:ext>
+            </a:extLst>
+          </p:cNvPr>
+          <p:cNvSpPr/>
+          <p:nvPr/>
+        </p:nvSpPr>
+        <p:spPr>
+          <a:xfrm rot="16200000">
+            <a:off x="6346208" y="2159704"/>
+            <a:ext cx="236048" cy="173380"/>
+          </a:xfrm>
+          <a:prstGeom prst="flowChartDecision">
+            <a:avLst/>
+          </a:prstGeom>
+          <a:noFill/>
+          <a:ln w="19050">
+            <a:solidFill>
+              <a:srgbClr val="7030A0"/>
+            </a:solidFill>
+          </a:ln>
+          <a:effectLst/>
+        </p:spPr>
+        <p:style>
+          <a:lnRef idx="1">
+            <a:schemeClr val="accent6"/>
+          </a:lnRef>
+          <a:fillRef idx="2">
+            <a:schemeClr val="accent6"/>
+          </a:fillRef>
+          <a:effectRef idx="1">
+            <a:schemeClr val="accent6"/>
+          </a:effectRef>
+          <a:fontRef idx="minor">
+            <a:schemeClr val="dk1"/>
+          </a:fontRef>
+        </p:style>
+        <p:txBody>
+          <a:bodyPr rtlCol="0" anchor="ctr"/>
+          <a:lstStyle/>
+          <a:p>
+            <a:pPr algn="ctr"/>
+            <a:endParaRPr lang="en-US" sz="1050"/>
+          </a:p>
+        </p:txBody>
+      </p:sp>
+      <p:cxnSp>
+        <p:nvCxnSpPr>
+          <p:cNvPr id="182" name="Elbow Connector 63">
+            <a:extLst>
+              <a:ext uri="{FF2B5EF4-FFF2-40B4-BE49-F238E27FC236}">
+                <a16:creationId xmlns:a16="http://schemas.microsoft.com/office/drawing/2014/main" id="{7C4E2E0B-F9B4-436B-93D5-86DE3A45974C}"/>
+              </a:ext>
+            </a:extLst>
+          </p:cNvPr>
+          <p:cNvCxnSpPr>
+            <a:cxnSpLocks/>
+            <a:stCxn id="186" idx="0"/>
+            <a:endCxn id="183" idx="1"/>
+          </p:cNvCxnSpPr>
+          <p:nvPr/>
+        </p:nvCxnSpPr>
+        <p:spPr>
+          <a:xfrm rot="5400000" flipH="1" flipV="1">
+            <a:off x="5310002" y="2508140"/>
+            <a:ext cx="207559" cy="146903"/>
+          </a:xfrm>
+          <a:prstGeom prst="bentConnector2">
+            <a:avLst/>
+          </a:prstGeom>
+          <a:ln w="19050">
+            <a:solidFill>
+              <a:srgbClr val="7030A0"/>
+            </a:solidFill>
+            <a:headEnd type="none" w="med" len="med"/>
+            <a:tailEnd type="arrow" w="med" len="med"/>
+          </a:ln>
+          <a:effectLst/>
+        </p:spPr>
+        <p:style>
+          <a:lnRef idx="1">
+            <a:schemeClr val="accent2"/>
+          </a:lnRef>
+          <a:fillRef idx="2">
+            <a:schemeClr val="accent2"/>
+          </a:fillRef>
+          <a:effectRef idx="1">
+            <a:schemeClr val="accent2"/>
+          </a:effectRef>
+          <a:fontRef idx="minor">
+            <a:schemeClr val="dk1"/>
+          </a:fontRef>
+        </p:style>
+      </p:cxnSp>
+      <p:sp>
+        <p:nvSpPr>
+          <p:cNvPr id="183" name="Rectangle 8">
+            <a:extLst>
+              <a:ext uri="{FF2B5EF4-FFF2-40B4-BE49-F238E27FC236}">
+                <a16:creationId xmlns:a16="http://schemas.microsoft.com/office/drawing/2014/main" id="{D0E0B8BB-EBDD-4EED-BB97-BD0872EAA515}"/>
+              </a:ext>
+            </a:extLst>
+          </p:cNvPr>
+          <p:cNvSpPr/>
+          <p:nvPr/>
+        </p:nvSpPr>
+        <p:spPr>
+          <a:xfrm>
+            <a:off x="5487233" y="2304431"/>
+            <a:ext cx="708186" cy="346760"/>
+          </a:xfrm>
+          <a:prstGeom prst="rect">
+            <a:avLst/>
+          </a:prstGeom>
+          <a:ln w="19050">
+            <a:solidFill>
+              <a:srgbClr val="7030A0"/>
+            </a:solidFill>
+          </a:ln>
+          <a:effectLst/>
+        </p:spPr>
+        <p:style>
+          <a:lnRef idx="1">
+            <a:schemeClr val="accent4"/>
+          </a:lnRef>
+          <a:fillRef idx="2">
+            <a:schemeClr val="accent4"/>
+          </a:fillRef>
+          <a:effectRef idx="1">
+            <a:schemeClr val="accent4"/>
+          </a:effectRef>
+          <a:fontRef idx="minor">
+            <a:schemeClr val="dk1"/>
+          </a:fontRef>
+        </p:style>
+        <p:txBody>
+          <a:bodyPr rtlCol="0" anchor="ctr"/>
+          <a:lstStyle/>
+          <a:p>
+            <a:pPr algn="ctr"/>
+            <a:r>
+              <a:rPr lang="en-US" sz="1050" dirty="0">
+                <a:solidFill>
+                  <a:srgbClr val="7030A0"/>
+                </a:solidFill>
+              </a:rPr>
+              <a:t>Tag</a:t>
+            </a:r>
+            <a:endParaRPr lang="en-SG" sz="1050" dirty="0">
+              <a:solidFill>
+                <a:srgbClr val="7030A0"/>
+              </a:solidFill>
+            </a:endParaRPr>
+          </a:p>
+        </p:txBody>
+      </p:sp>
+      <p:sp>
+        <p:nvSpPr>
+          <p:cNvPr id="184" name="TextBox 183">
+            <a:extLst>
+              <a:ext uri="{FF2B5EF4-FFF2-40B4-BE49-F238E27FC236}">
+                <a16:creationId xmlns:a16="http://schemas.microsoft.com/office/drawing/2014/main" id="{0B8F907A-C1CA-40B4-8FF5-B665F6E6AFAE}"/>
+              </a:ext>
+            </a:extLst>
+          </p:cNvPr>
+          <p:cNvSpPr txBox="1"/>
+          <p:nvPr/>
+        </p:nvSpPr>
+        <p:spPr>
+          <a:xfrm>
+            <a:off x="5227613" y="2335693"/>
+            <a:ext cx="189257" cy="178683"/>
+          </a:xfrm>
+          <a:prstGeom prst="rect">
+            <a:avLst/>
+          </a:prstGeom>
+          <a:noFill/>
+        </p:spPr>
+        <p:txBody>
+          <a:bodyPr wrap="square" lIns="0" tIns="0" rIns="0" bIns="0" rtlCol="0">
+            <a:noAutofit/>
+          </a:bodyPr>
+          <a:lstStyle/>
+          <a:p>
+            <a:pPr algn="ctr"/>
+            <a:r>
+              <a:rPr lang="en-US" sz="1100" dirty="0">
+                <a:solidFill>
+                  <a:srgbClr val="7030A0"/>
+                </a:solidFill>
+              </a:rPr>
+              <a:t>*</a:t>
+            </a:r>
+            <a:endParaRPr lang="en-SG" sz="1100" dirty="0">
+              <a:solidFill>
+                <a:srgbClr val="7030A0"/>
+              </a:solidFill>
+            </a:endParaRPr>
+          </a:p>
+        </p:txBody>
+      </p:sp>
+      <p:sp>
+        <p:nvSpPr>
+          <p:cNvPr id="185" name="TextBox 184">
+            <a:extLst>
+              <a:ext uri="{FF2B5EF4-FFF2-40B4-BE49-F238E27FC236}">
+                <a16:creationId xmlns:a16="http://schemas.microsoft.com/office/drawing/2014/main" id="{B2D170A8-7FBF-4FF8-9823-6A2DD851FDC7}"/>
+              </a:ext>
+            </a:extLst>
+          </p:cNvPr>
+          <p:cNvSpPr txBox="1"/>
+          <p:nvPr/>
+        </p:nvSpPr>
+        <p:spPr>
+          <a:xfrm>
+            <a:off x="4436217" y="1769507"/>
+            <a:ext cx="189257" cy="178683"/>
+          </a:xfrm>
+          <a:prstGeom prst="rect">
+            <a:avLst/>
+          </a:prstGeom>
+          <a:noFill/>
+        </p:spPr>
+        <p:txBody>
+          <a:bodyPr wrap="square" lIns="0" tIns="0" rIns="0" bIns="0" rtlCol="0">
+            <a:noAutofit/>
+          </a:bodyPr>
+          <a:lstStyle/>
+          <a:p>
+            <a:pPr algn="ctr"/>
+            <a:r>
+              <a:rPr lang="en-US" sz="1100" dirty="0">
+                <a:solidFill>
+                  <a:srgbClr val="7030A0"/>
+                </a:solidFill>
+              </a:rPr>
+              <a:t>1</a:t>
+            </a:r>
+            <a:endParaRPr lang="en-SG" sz="1100" dirty="0">
+              <a:solidFill>
+                <a:srgbClr val="7030A0"/>
+              </a:solidFill>
+            </a:endParaRPr>
+          </a:p>
+        </p:txBody>
+      </p:sp>
+      <p:sp>
+        <p:nvSpPr>
+          <p:cNvPr id="186" name="Flowchart: Decision 96">
+            <a:extLst>
+              <a:ext uri="{FF2B5EF4-FFF2-40B4-BE49-F238E27FC236}">
+                <a16:creationId xmlns:a16="http://schemas.microsoft.com/office/drawing/2014/main" id="{23ADF112-4332-4BEA-A84E-D2A82FD0866B}"/>
+              </a:ext>
+            </a:extLst>
+          </p:cNvPr>
+          <p:cNvSpPr/>
+          <p:nvPr/>
+        </p:nvSpPr>
+        <p:spPr>
+          <a:xfrm>
+            <a:off x="5222306" y="2685370"/>
+            <a:ext cx="236048" cy="173380"/>
+          </a:xfrm>
+          <a:prstGeom prst="flowChartDecision">
+            <a:avLst/>
+          </a:prstGeom>
+          <a:solidFill>
+            <a:srgbClr val="7030A0"/>
+          </a:solidFill>
+          <a:ln w="19050">
+            <a:solidFill>
+              <a:srgbClr val="7030A0"/>
+            </a:solidFill>
+          </a:ln>
+          <a:effectLst/>
+        </p:spPr>
+        <p:style>
+          <a:lnRef idx="1">
+            <a:schemeClr val="accent6"/>
+          </a:lnRef>
+          <a:fillRef idx="2">
+            <a:schemeClr val="accent6"/>
+          </a:fillRef>
+          <a:effectRef idx="1">
+            <a:schemeClr val="accent6"/>
+          </a:effectRef>
+          <a:fontRef idx="minor">
+            <a:schemeClr val="dk1"/>
+          </a:fontRef>
+        </p:style>
+        <p:txBody>
+          <a:bodyPr rtlCol="0" anchor="ctr"/>
+          <a:lstStyle/>
+          <a:p>
+            <a:pPr algn="ctr"/>
+            <a:endParaRPr lang="en-US" sz="1050"/>
+          </a:p>
+        </p:txBody>
+      </p:sp>
+      <p:cxnSp>
+        <p:nvCxnSpPr>
+          <p:cNvPr id="188" name="Elbow Connector 78">
+            <a:extLst>
+              <a:ext uri="{FF2B5EF4-FFF2-40B4-BE49-F238E27FC236}">
+                <a16:creationId xmlns:a16="http://schemas.microsoft.com/office/drawing/2014/main" id="{FBD8A5CE-B588-4F87-9051-154C32D33371}"/>
+              </a:ext>
+            </a:extLst>
+          </p:cNvPr>
+          <p:cNvCxnSpPr>
+            <a:cxnSpLocks/>
+            <a:stCxn id="181" idx="1"/>
+            <a:endCxn id="183" idx="3"/>
+          </p:cNvCxnSpPr>
+          <p:nvPr/>
+        </p:nvCxnSpPr>
+        <p:spPr>
+          <a:xfrm rot="5400000">
+            <a:off x="6273130" y="2286708"/>
+            <a:ext cx="113393" cy="268813"/>
+          </a:xfrm>
+          <a:prstGeom prst="bentConnector2">
+            <a:avLst/>
+          </a:prstGeom>
+          <a:ln w="19050">
+            <a:solidFill>
+              <a:srgbClr val="7030A0"/>
+            </a:solidFill>
+            <a:headEnd type="none" w="med" len="med"/>
+            <a:tailEnd type="arrow" w="med" len="med"/>
+          </a:ln>
+          <a:effectLst/>
+        </p:spPr>
+        <p:style>
+          <a:lnRef idx="1">
+            <a:schemeClr val="accent2"/>
+          </a:lnRef>
+          <a:fillRef idx="2">
+            <a:schemeClr val="accent2"/>
+          </a:fillRef>
+          <a:effectRef idx="1">
+            <a:schemeClr val="accent2"/>
+          </a:effectRef>
+          <a:fontRef idx="minor">
+            <a:schemeClr val="dk1"/>
+          </a:fontRef>
+        </p:style>
+      </p:cxnSp>
+      <p:cxnSp>
+        <p:nvCxnSpPr>
+          <p:cNvPr id="193" name="Elbow Connector 78">
+            <a:extLst>
+              <a:ext uri="{FF2B5EF4-FFF2-40B4-BE49-F238E27FC236}">
+                <a16:creationId xmlns:a16="http://schemas.microsoft.com/office/drawing/2014/main" id="{53DE62C0-5E97-437F-9D4B-695CAA7DD205}"/>
+              </a:ext>
+            </a:extLst>
+          </p:cNvPr>
+          <p:cNvCxnSpPr>
+            <a:cxnSpLocks/>
+            <a:stCxn id="163" idx="0"/>
+            <a:endCxn id="178" idx="2"/>
+          </p:cNvCxnSpPr>
+          <p:nvPr/>
+        </p:nvCxnSpPr>
+        <p:spPr>
+          <a:xfrm rot="5400000" flipH="1" flipV="1">
+            <a:off x="4584735" y="3012922"/>
+            <a:ext cx="616976" cy="894215"/>
+          </a:xfrm>
+          <a:prstGeom prst="bentConnector3">
+            <a:avLst>
+              <a:gd name="adj1" fmla="val 50000"/>
+            </a:avLst>
+          </a:prstGeom>
+          <a:ln w="19050">
+            <a:solidFill>
+              <a:srgbClr val="7030A0"/>
+            </a:solidFill>
+            <a:headEnd type="none" w="med" len="med"/>
+            <a:tailEnd type="arrow" w="med" len="med"/>
+          </a:ln>
+          <a:effectLst/>
+        </p:spPr>
+        <p:style>
+          <a:lnRef idx="1">
+            <a:schemeClr val="accent2"/>
+          </a:lnRef>
+          <a:fillRef idx="2">
+            <a:schemeClr val="accent2"/>
+          </a:fillRef>
+          <a:effectRef idx="1">
+            <a:schemeClr val="accent2"/>
+          </a:effectRef>
+          <a:fontRef idx="minor">
+            <a:schemeClr val="dk1"/>
+          </a:fontRef>
+        </p:style>
+      </p:cxnSp>
+      <p:cxnSp>
+        <p:nvCxnSpPr>
+          <p:cNvPr id="240" name="Elbow Connector 78">
+            <a:extLst>
+              <a:ext uri="{FF2B5EF4-FFF2-40B4-BE49-F238E27FC236}">
+                <a16:creationId xmlns:a16="http://schemas.microsoft.com/office/drawing/2014/main" id="{C8B3D3D6-8E04-4452-A48A-BCE8233F9FF9}"/>
+              </a:ext>
+            </a:extLst>
+          </p:cNvPr>
+          <p:cNvCxnSpPr>
+            <a:cxnSpLocks/>
+            <a:stCxn id="51" idx="0"/>
+            <a:endCxn id="49" idx="1"/>
+          </p:cNvCxnSpPr>
+          <p:nvPr/>
+        </p:nvCxnSpPr>
+        <p:spPr>
+          <a:xfrm rot="5400000" flipH="1" flipV="1">
+            <a:off x="4083747" y="2311629"/>
+            <a:ext cx="968152" cy="249654"/>
+          </a:xfrm>
+          <a:prstGeom prst="bentConnector2">
+            <a:avLst/>
+          </a:prstGeom>
+          <a:ln w="19050">
+            <a:solidFill>
+              <a:srgbClr val="7030A0"/>
+            </a:solidFill>
+            <a:headEnd type="none" w="med" len="med"/>
+            <a:tailEnd type="arrow" w="med" len="med"/>
+          </a:ln>
+          <a:effectLst/>
+        </p:spPr>
+        <p:style>
+          <a:lnRef idx="1">
+            <a:schemeClr val="accent2"/>
+          </a:lnRef>
+          <a:fillRef idx="2">
+            <a:schemeClr val="accent2"/>
+          </a:fillRef>
+          <a:effectRef idx="1">
+            <a:schemeClr val="accent2"/>
+          </a:effectRef>
+          <a:fontRef idx="minor">
+            <a:schemeClr val="dk1"/>
+          </a:fontRef>
+        </p:style>
+      </p:cxnSp>
+      <p:sp>
+        <p:nvSpPr>
+          <p:cNvPr id="250" name="TextBox 249">
+            <a:extLst>
+              <a:ext uri="{FF2B5EF4-FFF2-40B4-BE49-F238E27FC236}">
+                <a16:creationId xmlns:a16="http://schemas.microsoft.com/office/drawing/2014/main" id="{8AD81637-B9E9-4C43-96B4-A2C877F31AD0}"/>
+              </a:ext>
+            </a:extLst>
+          </p:cNvPr>
+          <p:cNvSpPr txBox="1"/>
+          <p:nvPr/>
+        </p:nvSpPr>
+        <p:spPr>
+          <a:xfrm>
+            <a:off x="5125144" y="3212000"/>
+            <a:ext cx="189257" cy="178683"/>
+          </a:xfrm>
+          <a:prstGeom prst="rect">
+            <a:avLst/>
+          </a:prstGeom>
+          <a:noFill/>
+        </p:spPr>
+        <p:txBody>
+          <a:bodyPr wrap="square" lIns="0" tIns="0" rIns="0" bIns="0" rtlCol="0">
+            <a:noAutofit/>
+          </a:bodyPr>
+          <a:lstStyle/>
+          <a:p>
+            <a:pPr algn="ctr"/>
+            <a:r>
+              <a:rPr lang="en-US" sz="1100" dirty="0">
+                <a:solidFill>
+                  <a:srgbClr val="7030A0"/>
+                </a:solidFill>
+              </a:rPr>
+              <a:t>1</a:t>
+            </a:r>
+            <a:endParaRPr lang="en-SG" sz="1100" dirty="0">
+              <a:solidFill>
+                <a:srgbClr val="7030A0"/>
+              </a:solidFill>
+            </a:endParaRPr>
+          </a:p>
+        </p:txBody>
+      </p:sp>
     </p:spTree>
     <p:extLst>
       <p:ext uri="{BB962C8B-B14F-4D97-AF65-F5344CB8AC3E}">
